--- a/week15/deploy.pptx
+++ b/week15/deploy.pptx
@@ -120,7 +120,7 @@
   </p:defaultTextStyle>
   <p:extLst>
     <p:ext uri="{EFAFB233-063F-42B5-8137-9DF3F51BA10A}">
-      <p15:sldGuideLst xmlns:p15="http://schemas.microsoft.com/office/powerpoint/2012/main">
+      <p15:sldGuideLst xmlns:p15="http://schemas.microsoft.com/office/powerpoint/2012/main" xmlns="">
         <p15:guide id="1" orient="horz" pos="2160">
           <p15:clr>
             <a:srgbClr val="A4A3A4"/>
@@ -134,7 +134,7 @@
       </p15:sldGuideLst>
     </p:ext>
     <p:ext uri="{2D200454-40CA-4A62-9FC3-DE9A4176ACB9}">
-      <p15:notesGuideLst xmlns:p15="http://schemas.microsoft.com/office/powerpoint/2012/main"/>
+      <p15:notesGuideLst xmlns:p15="http://schemas.microsoft.com/office/powerpoint/2012/main" xmlns=""/>
     </p:ext>
   </p:extLst>
 </p:presentation>
@@ -1139,7 +1139,7 @@
   </p:timing>
   <p:extLst mod="1">
     <p:ext uri="{DCECCB84-F9BA-43D5-87BE-67443E8EF086}">
-      <p15:sldGuideLst xmlns:p15="http://schemas.microsoft.com/office/powerpoint/2012/main">
+      <p15:sldGuideLst xmlns:p15="http://schemas.microsoft.com/office/powerpoint/2012/main" xmlns="">
         <p15:guide id="1" orient="horz" pos="3792">
           <p15:clr>
             <a:srgbClr val="FBAE40"/>
@@ -1637,7 +1637,7 @@
   </p:timing>
   <p:extLst mod="1">
     <p:ext uri="{DCECCB84-F9BA-43D5-87BE-67443E8EF086}">
-      <p15:sldGuideLst xmlns:p15="http://schemas.microsoft.com/office/powerpoint/2012/main">
+      <p15:sldGuideLst xmlns:p15="http://schemas.microsoft.com/office/powerpoint/2012/main" xmlns="">
         <p15:guide id="1" orient="horz" pos="2160">
           <p15:clr>
             <a:srgbClr val="FBAE40"/>
@@ -3282,7 +3282,7 @@
         </p:nvSpPr>
         <p:spPr>
           <a:xfrm>
-            <a:off x="2359550" y="1623352"/>
+            <a:off x="2359550" y="1725585"/>
             <a:ext cx="7526612" cy="523220"/>
           </a:xfrm>
           <a:prstGeom prst="rect">
@@ -3323,8 +3323,8 @@
         </p:nvSpPr>
         <p:spPr>
           <a:xfrm>
-            <a:off x="565265" y="2524222"/>
-            <a:ext cx="8362604" cy="369332"/>
+            <a:off x="565265" y="2292106"/>
+            <a:ext cx="8362604" cy="707886"/>
           </a:xfrm>
           <a:prstGeom prst="rect">
             <a:avLst/>
@@ -3337,26 +3337,33 @@
           <a:lstStyle/>
           <a:p>
             <a:r>
-              <a:rPr lang="ru-RU" dirty="0"/>
+              <a:rPr lang="ru-RU" sz="2000" dirty="0"/>
               <a:t>Эта команда загрузит копию </a:t>
             </a:r>
             <a:r>
-              <a:rPr lang="ru-RU" dirty="0" smtClean="0"/>
+              <a:rPr lang="ru-RU" sz="2000" dirty="0" smtClean="0"/>
               <a:t>кода </a:t>
             </a:r>
             <a:r>
-              <a:rPr lang="ru-RU" dirty="0"/>
-              <a:t>на PythonAnywhere. Проверь это, </a:t>
-            </a:r>
-            <a:r>
-              <a:rPr lang="ru-RU" dirty="0" smtClean="0"/>
+              <a:rPr lang="ru-RU" sz="2000" dirty="0"/>
+              <a:t>на PythonAnywhere. </a:t>
+            </a:r>
+            <a:endParaRPr lang="ru-RU" sz="2000" dirty="0" smtClean="0"/>
+          </a:p>
+          <a:p>
+            <a:r>
+              <a:rPr lang="ru-RU" sz="2000" dirty="0" smtClean="0"/>
+              <a:t>Проверить это, можно </a:t>
+            </a:r>
+            <a:r>
+              <a:rPr lang="ru-RU" sz="2000" dirty="0" smtClean="0"/>
               <a:t>набрав</a:t>
             </a:r>
             <a:r>
-              <a:rPr lang="en-US" dirty="0"/>
+              <a:rPr lang="en-US" sz="2000" dirty="0"/>
               <a:t>:</a:t>
             </a:r>
-            <a:endParaRPr lang="ru-RU" dirty="0"/>
+            <a:endParaRPr lang="ru-RU" sz="2000" dirty="0"/>
           </a:p>
         </p:txBody>
       </p:sp>
@@ -3370,7 +3377,7 @@
         </p:nvSpPr>
         <p:spPr bwMode="auto">
           <a:xfrm>
-            <a:off x="2527068" y="2940003"/>
+            <a:off x="3764198" y="2940003"/>
             <a:ext cx="2959332" cy="523220"/>
           </a:xfrm>
           <a:prstGeom prst="rect">
@@ -3507,7 +3514,7 @@
         </p:blipFill>
         <p:spPr>
           <a:xfrm>
-            <a:off x="4046923" y="3509672"/>
+            <a:off x="4006337" y="3635178"/>
             <a:ext cx="4189614" cy="6783353"/>
           </a:xfrm>
           <a:prstGeom prst="rect">
@@ -3515,6 +3522,56 @@
           </a:prstGeom>
         </p:spPr>
       </p:pic>
+      <p:sp>
+        <p:nvSpPr>
+          <p:cNvPr id="2" name="TextBox 1"/>
+          <p:cNvSpPr txBox="1"/>
+          <p:nvPr/>
+        </p:nvSpPr>
+        <p:spPr>
+          <a:xfrm>
+            <a:off x="565265" y="1045029"/>
+            <a:ext cx="10440192" cy="461665"/>
+          </a:xfrm>
+          <a:prstGeom prst="rect">
+            <a:avLst/>
+          </a:prstGeom>
+          <a:noFill/>
+        </p:spPr>
+        <p:txBody>
+          <a:bodyPr wrap="square" rtlCol="0">
+            <a:spAutoFit/>
+          </a:bodyPr>
+          <a:lstStyle/>
+          <a:p>
+            <a:r>
+              <a:rPr lang="ru-RU" sz="2400" dirty="0" smtClean="0"/>
+              <a:t>На сайте </a:t>
+            </a:r>
+            <a:r>
+              <a:rPr lang="en-US" sz="2400" dirty="0" err="1" smtClean="0"/>
+              <a:t>PythonAnywhere</a:t>
+            </a:r>
+            <a:r>
+              <a:rPr lang="en-US" sz="2400" dirty="0" smtClean="0"/>
+              <a:t> </a:t>
+            </a:r>
+            <a:r>
+              <a:rPr lang="ru-RU" sz="2400" dirty="0" smtClean="0"/>
+              <a:t>создаем консоль </a:t>
+            </a:r>
+            <a:r>
+              <a:rPr lang="en-US" sz="2400" dirty="0" smtClean="0"/>
+              <a:t>bash, </a:t>
+            </a:r>
+            <a:r>
+              <a:rPr lang="ru-RU" sz="2400" dirty="0" smtClean="0"/>
+              <a:t>в которой пишем команду:</a:t>
+            </a:r>
+            <a:endParaRPr lang="ru-RU" sz="2400" dirty="0"/>
+          </a:p>
+        </p:txBody>
+      </p:sp>
     </p:spTree>
     <p:extLst>
       <p:ext uri="{BB962C8B-B14F-4D97-AF65-F5344CB8AC3E}">
@@ -3525,6 +3582,404 @@
   <p:clrMapOvr>
     <a:masterClrMapping/>
   </p:clrMapOvr>
+  <p:timing>
+    <p:tnLst>
+      <p:par>
+        <p:cTn id="1" dur="indefinite" restart="never" nodeType="tmRoot">
+          <p:childTnLst>
+            <p:seq concurrent="1" nextAc="seek">
+              <p:cTn id="2" dur="indefinite" nodeType="mainSeq">
+                <p:childTnLst>
+                  <p:par>
+                    <p:cTn id="3" fill="hold">
+                      <p:stCondLst>
+                        <p:cond delay="indefinite"/>
+                      </p:stCondLst>
+                      <p:childTnLst>
+                        <p:par>
+                          <p:cTn id="4" fill="hold">
+                            <p:stCondLst>
+                              <p:cond delay="0"/>
+                            </p:stCondLst>
+                            <p:childTnLst>
+                              <p:par>
+                                <p:cTn id="5" presetID="1" presetClass="entr" presetSubtype="0" fill="hold" grpId="0" nodeType="clickEffect">
+                                  <p:stCondLst>
+                                    <p:cond delay="0"/>
+                                  </p:stCondLst>
+                                  <p:childTnLst>
+                                    <p:set>
+                                      <p:cBhvr>
+                                        <p:cTn id="6" dur="1" fill="hold">
+                                          <p:stCondLst>
+                                            <p:cond delay="0"/>
+                                          </p:stCondLst>
+                                        </p:cTn>
+                                        <p:tgtEl>
+                                          <p:spTgt spid="2"/>
+                                        </p:tgtEl>
+                                        <p:attrNameLst>
+                                          <p:attrName>style.visibility</p:attrName>
+                                        </p:attrNameLst>
+                                      </p:cBhvr>
+                                      <p:to>
+                                        <p:strVal val="visible"/>
+                                      </p:to>
+                                    </p:set>
+                                  </p:childTnLst>
+                                </p:cTn>
+                              </p:par>
+                            </p:childTnLst>
+                          </p:cTn>
+                        </p:par>
+                      </p:childTnLst>
+                    </p:cTn>
+                  </p:par>
+                  <p:par>
+                    <p:cTn id="7" fill="hold">
+                      <p:stCondLst>
+                        <p:cond delay="indefinite"/>
+                      </p:stCondLst>
+                      <p:childTnLst>
+                        <p:par>
+                          <p:cTn id="8" fill="hold">
+                            <p:stCondLst>
+                              <p:cond delay="0"/>
+                            </p:stCondLst>
+                            <p:childTnLst>
+                              <p:par>
+                                <p:cTn id="9" presetID="2" presetClass="entr" presetSubtype="4" fill="hold" grpId="0" nodeType="clickEffect">
+                                  <p:stCondLst>
+                                    <p:cond delay="0"/>
+                                  </p:stCondLst>
+                                  <p:childTnLst>
+                                    <p:set>
+                                      <p:cBhvr>
+                                        <p:cTn id="10" dur="1" fill="hold">
+                                          <p:stCondLst>
+                                            <p:cond delay="0"/>
+                                          </p:stCondLst>
+                                        </p:cTn>
+                                        <p:tgtEl>
+                                          <p:spTgt spid="8"/>
+                                        </p:tgtEl>
+                                        <p:attrNameLst>
+                                          <p:attrName>style.visibility</p:attrName>
+                                        </p:attrNameLst>
+                                      </p:cBhvr>
+                                      <p:to>
+                                        <p:strVal val="visible"/>
+                                      </p:to>
+                                    </p:set>
+                                    <p:anim calcmode="lin" valueType="num">
+                                      <p:cBhvr additive="base">
+                                        <p:cTn id="11" dur="500" fill="hold"/>
+                                        <p:tgtEl>
+                                          <p:spTgt spid="8"/>
+                                        </p:tgtEl>
+                                        <p:attrNameLst>
+                                          <p:attrName>ppt_x</p:attrName>
+                                        </p:attrNameLst>
+                                      </p:cBhvr>
+                                      <p:tavLst>
+                                        <p:tav tm="0">
+                                          <p:val>
+                                            <p:strVal val="#ppt_x"/>
+                                          </p:val>
+                                        </p:tav>
+                                        <p:tav tm="100000">
+                                          <p:val>
+                                            <p:strVal val="#ppt_x"/>
+                                          </p:val>
+                                        </p:tav>
+                                      </p:tavLst>
+                                    </p:anim>
+                                    <p:anim calcmode="lin" valueType="num">
+                                      <p:cBhvr additive="base">
+                                        <p:cTn id="12" dur="500" fill="hold"/>
+                                        <p:tgtEl>
+                                          <p:spTgt spid="8"/>
+                                        </p:tgtEl>
+                                        <p:attrNameLst>
+                                          <p:attrName>ppt_y</p:attrName>
+                                        </p:attrNameLst>
+                                      </p:cBhvr>
+                                      <p:tavLst>
+                                        <p:tav tm="0">
+                                          <p:val>
+                                            <p:strVal val="1+#ppt_h/2"/>
+                                          </p:val>
+                                        </p:tav>
+                                        <p:tav tm="100000">
+                                          <p:val>
+                                            <p:strVal val="#ppt_y"/>
+                                          </p:val>
+                                        </p:tav>
+                                      </p:tavLst>
+                                    </p:anim>
+                                  </p:childTnLst>
+                                </p:cTn>
+                              </p:par>
+                            </p:childTnLst>
+                          </p:cTn>
+                        </p:par>
+                      </p:childTnLst>
+                    </p:cTn>
+                  </p:par>
+                  <p:par>
+                    <p:cTn id="13" fill="hold">
+                      <p:stCondLst>
+                        <p:cond delay="indefinite"/>
+                      </p:stCondLst>
+                      <p:childTnLst>
+                        <p:par>
+                          <p:cTn id="14" fill="hold">
+                            <p:stCondLst>
+                              <p:cond delay="0"/>
+                            </p:stCondLst>
+                            <p:childTnLst>
+                              <p:par>
+                                <p:cTn id="15" presetID="1" presetClass="entr" presetSubtype="0" fill="hold" grpId="0" nodeType="clickEffect">
+                                  <p:stCondLst>
+                                    <p:cond delay="0"/>
+                                  </p:stCondLst>
+                                  <p:childTnLst>
+                                    <p:set>
+                                      <p:cBhvr>
+                                        <p:cTn id="16" dur="1" fill="hold">
+                                          <p:stCondLst>
+                                            <p:cond delay="0"/>
+                                          </p:stCondLst>
+                                        </p:cTn>
+                                        <p:tgtEl>
+                                          <p:spTgt spid="9"/>
+                                        </p:tgtEl>
+                                        <p:attrNameLst>
+                                          <p:attrName>style.visibility</p:attrName>
+                                        </p:attrNameLst>
+                                      </p:cBhvr>
+                                      <p:to>
+                                        <p:strVal val="visible"/>
+                                      </p:to>
+                                    </p:set>
+                                  </p:childTnLst>
+                                </p:cTn>
+                              </p:par>
+                            </p:childTnLst>
+                          </p:cTn>
+                        </p:par>
+                      </p:childTnLst>
+                    </p:cTn>
+                  </p:par>
+                  <p:par>
+                    <p:cTn id="17" fill="hold">
+                      <p:stCondLst>
+                        <p:cond delay="indefinite"/>
+                      </p:stCondLst>
+                      <p:childTnLst>
+                        <p:par>
+                          <p:cTn id="18" fill="hold">
+                            <p:stCondLst>
+                              <p:cond delay="0"/>
+                            </p:stCondLst>
+                            <p:childTnLst>
+                              <p:par>
+                                <p:cTn id="19" presetID="2" presetClass="entr" presetSubtype="4" fill="hold" grpId="0" nodeType="clickEffect">
+                                  <p:stCondLst>
+                                    <p:cond delay="0"/>
+                                  </p:stCondLst>
+                                  <p:childTnLst>
+                                    <p:set>
+                                      <p:cBhvr>
+                                        <p:cTn id="20" dur="1" fill="hold">
+                                          <p:stCondLst>
+                                            <p:cond delay="0"/>
+                                          </p:stCondLst>
+                                        </p:cTn>
+                                        <p:tgtEl>
+                                          <p:spTgt spid="10"/>
+                                        </p:tgtEl>
+                                        <p:attrNameLst>
+                                          <p:attrName>style.visibility</p:attrName>
+                                        </p:attrNameLst>
+                                      </p:cBhvr>
+                                      <p:to>
+                                        <p:strVal val="visible"/>
+                                      </p:to>
+                                    </p:set>
+                                    <p:anim calcmode="lin" valueType="num">
+                                      <p:cBhvr additive="base">
+                                        <p:cTn id="21" dur="500" fill="hold"/>
+                                        <p:tgtEl>
+                                          <p:spTgt spid="10"/>
+                                        </p:tgtEl>
+                                        <p:attrNameLst>
+                                          <p:attrName>ppt_x</p:attrName>
+                                        </p:attrNameLst>
+                                      </p:cBhvr>
+                                      <p:tavLst>
+                                        <p:tav tm="0">
+                                          <p:val>
+                                            <p:strVal val="#ppt_x"/>
+                                          </p:val>
+                                        </p:tav>
+                                        <p:tav tm="100000">
+                                          <p:val>
+                                            <p:strVal val="#ppt_x"/>
+                                          </p:val>
+                                        </p:tav>
+                                      </p:tavLst>
+                                    </p:anim>
+                                    <p:anim calcmode="lin" valueType="num">
+                                      <p:cBhvr additive="base">
+                                        <p:cTn id="22" dur="500" fill="hold"/>
+                                        <p:tgtEl>
+                                          <p:spTgt spid="10"/>
+                                        </p:tgtEl>
+                                        <p:attrNameLst>
+                                          <p:attrName>ppt_y</p:attrName>
+                                        </p:attrNameLst>
+                                      </p:cBhvr>
+                                      <p:tavLst>
+                                        <p:tav tm="0">
+                                          <p:val>
+                                            <p:strVal val="1+#ppt_h/2"/>
+                                          </p:val>
+                                        </p:tav>
+                                        <p:tav tm="100000">
+                                          <p:val>
+                                            <p:strVal val="#ppt_y"/>
+                                          </p:val>
+                                        </p:tav>
+                                      </p:tavLst>
+                                    </p:anim>
+                                  </p:childTnLst>
+                                </p:cTn>
+                              </p:par>
+                            </p:childTnLst>
+                          </p:cTn>
+                        </p:par>
+                        <p:par>
+                          <p:cTn id="23" fill="hold">
+                            <p:stCondLst>
+                              <p:cond delay="500"/>
+                            </p:stCondLst>
+                            <p:childTnLst>
+                              <p:par>
+                                <p:cTn id="24" presetID="42" presetClass="entr" presetSubtype="0" fill="hold" nodeType="afterEffect">
+                                  <p:stCondLst>
+                                    <p:cond delay="2000"/>
+                                  </p:stCondLst>
+                                  <p:childTnLst>
+                                    <p:set>
+                                      <p:cBhvr>
+                                        <p:cTn id="25" dur="1" fill="hold">
+                                          <p:stCondLst>
+                                            <p:cond delay="0"/>
+                                          </p:stCondLst>
+                                        </p:cTn>
+                                        <p:tgtEl>
+                                          <p:spTgt spid="12"/>
+                                        </p:tgtEl>
+                                        <p:attrNameLst>
+                                          <p:attrName>style.visibility</p:attrName>
+                                        </p:attrNameLst>
+                                      </p:cBhvr>
+                                      <p:to>
+                                        <p:strVal val="visible"/>
+                                      </p:to>
+                                    </p:set>
+                                    <p:animEffect transition="in" filter="fade">
+                                      <p:cBhvr>
+                                        <p:cTn id="26" dur="1000"/>
+                                        <p:tgtEl>
+                                          <p:spTgt spid="12"/>
+                                        </p:tgtEl>
+                                      </p:cBhvr>
+                                    </p:animEffect>
+                                    <p:anim calcmode="lin" valueType="num">
+                                      <p:cBhvr>
+                                        <p:cTn id="27" dur="1000" fill="hold"/>
+                                        <p:tgtEl>
+                                          <p:spTgt spid="12"/>
+                                        </p:tgtEl>
+                                        <p:attrNameLst>
+                                          <p:attrName>ppt_x</p:attrName>
+                                        </p:attrNameLst>
+                                      </p:cBhvr>
+                                      <p:tavLst>
+                                        <p:tav tm="0">
+                                          <p:val>
+                                            <p:strVal val="#ppt_x"/>
+                                          </p:val>
+                                        </p:tav>
+                                        <p:tav tm="100000">
+                                          <p:val>
+                                            <p:strVal val="#ppt_x"/>
+                                          </p:val>
+                                        </p:tav>
+                                      </p:tavLst>
+                                    </p:anim>
+                                    <p:anim calcmode="lin" valueType="num">
+                                      <p:cBhvr>
+                                        <p:cTn id="28" dur="1000" fill="hold"/>
+                                        <p:tgtEl>
+                                          <p:spTgt spid="12"/>
+                                        </p:tgtEl>
+                                        <p:attrNameLst>
+                                          <p:attrName>ppt_y</p:attrName>
+                                        </p:attrNameLst>
+                                      </p:cBhvr>
+                                      <p:tavLst>
+                                        <p:tav tm="0">
+                                          <p:val>
+                                            <p:strVal val="#ppt_y+.1"/>
+                                          </p:val>
+                                        </p:tav>
+                                        <p:tav tm="100000">
+                                          <p:val>
+                                            <p:strVal val="#ppt_y"/>
+                                          </p:val>
+                                        </p:tav>
+                                      </p:tavLst>
+                                    </p:anim>
+                                  </p:childTnLst>
+                                </p:cTn>
+                              </p:par>
+                            </p:childTnLst>
+                          </p:cTn>
+                        </p:par>
+                      </p:childTnLst>
+                    </p:cTn>
+                  </p:par>
+                </p:childTnLst>
+              </p:cTn>
+              <p:prevCondLst>
+                <p:cond evt="onPrev" delay="0">
+                  <p:tgtEl>
+                    <p:sldTgt/>
+                  </p:tgtEl>
+                </p:cond>
+              </p:prevCondLst>
+              <p:nextCondLst>
+                <p:cond evt="onNext" delay="0">
+                  <p:tgtEl>
+                    <p:sldTgt/>
+                  </p:tgtEl>
+                </p:cond>
+              </p:nextCondLst>
+            </p:seq>
+          </p:childTnLst>
+        </p:cTn>
+      </p:par>
+    </p:tnLst>
+    <p:bldLst>
+      <p:bldP spid="8" grpId="0"/>
+      <p:bldP spid="9" grpId="0"/>
+      <p:bldP spid="10" grpId="0"/>
+      <p:bldP spid="2" grpId="0"/>
+    </p:bldLst>
+  </p:timing>
 </p:sld>
 </file>
 
@@ -3581,7 +4036,7 @@
         </p:nvSpPr>
         <p:spPr>
           <a:xfrm>
-            <a:off x="379514" y="1245702"/>
+            <a:off x="397444" y="1389137"/>
             <a:ext cx="11525250" cy="5290388"/>
           </a:xfrm>
         </p:spPr>
@@ -3601,9 +4056,10 @@
               <a:t>вводим </a:t>
             </a:r>
             <a:r>
-              <a:rPr lang="ru-RU" dirty="0"/>
-              <a:t>следующую команду:</a:t>
-            </a:r>
+              <a:rPr lang="ru-RU" dirty="0" smtClean="0"/>
+              <a:t>следующие команды:</a:t>
+            </a:r>
+            <a:endParaRPr lang="ru-RU" dirty="0"/>
           </a:p>
         </p:txBody>
       </p:sp>
@@ -3617,8 +4073,8 @@
         </p:nvSpPr>
         <p:spPr bwMode="auto">
           <a:xfrm>
-            <a:off x="856210" y="2587154"/>
-            <a:ext cx="10324407" cy="3046988"/>
+            <a:off x="650022" y="2872211"/>
+            <a:ext cx="11335790" cy="1938992"/>
           </a:xfrm>
           <a:prstGeom prst="rect">
             <a:avLst/>
@@ -3692,19 +4148,7 @@
                 </a:solidFill>
                 <a:effectLst/>
               </a:rPr>
-              <a:t>$ cd </a:t>
-            </a:r>
-            <a:r>
-              <a:rPr kumimoji="0" lang="en-US" altLang="ru-RU" sz="2400" b="0" i="0" u="none" strike="noStrike" cap="none" normalizeH="0" baseline="0" dirty="0" smtClean="0">
-                <a:ln>
-                  <a:noFill/>
-                </a:ln>
-                <a:solidFill>
-                  <a:schemeClr val="tx1"/>
-                </a:solidFill>
-                <a:effectLst/>
-              </a:rPr>
-              <a:t>website</a:t>
+              <a:t>$ </a:t>
             </a:r>
             <a:r>
               <a:rPr kumimoji="0" lang="ru-RU" altLang="ru-RU" sz="2400" b="0" i="0" u="none" strike="noStrike" cap="none" normalizeH="0" baseline="0" dirty="0" smtClean="0">
@@ -3716,64 +4160,7 @@
                 </a:solidFill>
                 <a:effectLst/>
               </a:rPr>
-              <a:t> </a:t>
-            </a:r>
-          </a:p>
-          <a:p>
-            <a:pPr marL="0" marR="0" lvl="0" indent="0" algn="l" defTabSz="914400" rtl="0" eaLnBrk="0" fontAlgn="base" latinLnBrk="0" hangingPunct="0">
-              <a:lnSpc>
-                <a:spcPct val="100000"/>
-              </a:lnSpc>
-              <a:spcBef>
-                <a:spcPct val="0"/>
-              </a:spcBef>
-              <a:spcAft>
-                <a:spcPct val="0"/>
-              </a:spcAft>
-              <a:buClrTx/>
-              <a:buSzTx/>
-              <a:buFontTx/>
-              <a:buNone/>
-              <a:tabLst/>
-            </a:pPr>
-            <a:endParaRPr kumimoji="0" lang="ru-RU" altLang="ru-RU" sz="2400" b="0" i="0" u="none" strike="noStrike" cap="none" normalizeH="0" baseline="0" dirty="0" smtClean="0">
-              <a:ln>
-                <a:noFill/>
-              </a:ln>
-              <a:solidFill>
-                <a:schemeClr val="tx1"/>
-              </a:solidFill>
-              <a:effectLst/>
-            </a:endParaRPr>
-          </a:p>
-          <a:p>
-            <a:pPr marL="0" marR="0" lvl="0" indent="0" algn="l" defTabSz="914400" rtl="0" eaLnBrk="0" fontAlgn="base" latinLnBrk="0" hangingPunct="0">
-              <a:lnSpc>
-                <a:spcPct val="100000"/>
-              </a:lnSpc>
-              <a:spcBef>
-                <a:spcPct val="0"/>
-              </a:spcBef>
-              <a:spcAft>
-                <a:spcPct val="0"/>
-              </a:spcAft>
-              <a:buClrTx/>
-              <a:buSzTx/>
-              <a:buFontTx/>
-              <a:buNone/>
-              <a:tabLst/>
-            </a:pPr>
-            <a:r>
-              <a:rPr kumimoji="0" lang="ru-RU" altLang="ru-RU" sz="2400" b="0" i="0" u="none" strike="noStrike" cap="none" normalizeH="0" baseline="0" dirty="0" smtClean="0">
-                <a:ln>
-                  <a:noFill/>
-                </a:ln>
-                <a:solidFill>
-                  <a:schemeClr val="tx1"/>
-                </a:solidFill>
-                <a:effectLst/>
-              </a:rPr>
-              <a:t>$ virtualenv --python=python3.5 myvenv</a:t>
+              <a:t>virtualenv --python=python3.5 myvenv</a:t>
             </a:r>
             <a:endParaRPr kumimoji="0" lang="en-US" altLang="ru-RU" sz="2400" b="0" i="0" u="none" strike="noStrike" cap="none" normalizeH="0" baseline="0" dirty="0" smtClean="0">
               <a:ln>
@@ -3814,20 +4201,12 @@
               </a:spcAft>
             </a:pPr>
             <a:r>
-              <a:rPr kumimoji="0" lang="ru-RU" altLang="ru-RU" sz="2400" b="0" i="0" u="none" strike="noStrike" cap="none" normalizeH="0" baseline="0" dirty="0" smtClean="0">
-                <a:ln>
-                  <a:noFill/>
-                </a:ln>
-                <a:solidFill>
-                  <a:schemeClr val="tx1"/>
-                </a:solidFill>
-                <a:effectLst/>
-              </a:rPr>
-              <a:t> </a:t>
+              <a:rPr lang="en-US" altLang="ru-RU" sz="2400" dirty="0" smtClean="0"/>
+              <a:t>$ </a:t>
             </a:r>
             <a:r>
               <a:rPr lang="en-US" altLang="ru-RU" sz="2400" dirty="0"/>
-              <a:t>$ source </a:t>
+              <a:t>source </a:t>
             </a:r>
             <a:r>
               <a:rPr lang="en-US" altLang="ru-RU" sz="2400" dirty="0" err="1"/>
@@ -3904,25 +4283,7 @@
             </a:r>
             <a:r>
               <a:rPr lang="uk-UA" altLang="ru-RU" sz="2400" dirty="0" smtClean="0"/>
-              <a:t>	  	 </a:t>
-            </a:r>
-          </a:p>
-          <a:p>
-            <a:pPr lvl="0" eaLnBrk="0" fontAlgn="base" hangingPunct="0">
-              <a:spcBef>
-                <a:spcPct val="0"/>
-              </a:spcBef>
-              <a:spcAft>
-                <a:spcPct val="0"/>
-              </a:spcAft>
-            </a:pPr>
-            <a:r>
-              <a:rPr lang="uk-UA" altLang="ru-RU" sz="2400" dirty="0"/>
-              <a:t>	 </a:t>
-            </a:r>
-            <a:r>
-              <a:rPr lang="uk-UA" altLang="ru-RU" sz="2400" dirty="0" smtClean="0"/>
-              <a:t>        </a:t>
+              <a:t>	</a:t>
             </a:r>
             <a:r>
               <a:rPr lang="en-US" altLang="ru-RU" sz="2400" dirty="0" err="1" smtClean="0"/>
@@ -3954,6 +4315,232 @@
   <p:clrMapOvr>
     <a:masterClrMapping/>
   </p:clrMapOvr>
+  <p:timing>
+    <p:tnLst>
+      <p:par>
+        <p:cTn id="1" dur="indefinite" restart="never" nodeType="tmRoot">
+          <p:childTnLst>
+            <p:seq concurrent="1" nextAc="seek">
+              <p:cTn id="2" dur="indefinite" nodeType="mainSeq">
+                <p:childTnLst>
+                  <p:par>
+                    <p:cTn id="3" fill="hold">
+                      <p:stCondLst>
+                        <p:cond delay="indefinite"/>
+                      </p:stCondLst>
+                      <p:childTnLst>
+                        <p:par>
+                          <p:cTn id="4" fill="hold">
+                            <p:stCondLst>
+                              <p:cond delay="0"/>
+                            </p:stCondLst>
+                            <p:childTnLst>
+                              <p:par>
+                                <p:cTn id="5" presetID="1" presetClass="entr" presetSubtype="0" fill="hold" nodeType="clickEffect">
+                                  <p:stCondLst>
+                                    <p:cond delay="0"/>
+                                  </p:stCondLst>
+                                  <p:childTnLst>
+                                    <p:set>
+                                      <p:cBhvr>
+                                        <p:cTn id="6" dur="1" fill="hold">
+                                          <p:stCondLst>
+                                            <p:cond delay="0"/>
+                                          </p:stCondLst>
+                                        </p:cTn>
+                                        <p:tgtEl>
+                                          <p:spTgt spid="3">
+                                            <p:txEl>
+                                              <p:pRg st="0" end="0"/>
+                                            </p:txEl>
+                                          </p:spTgt>
+                                        </p:tgtEl>
+                                        <p:attrNameLst>
+                                          <p:attrName>style.visibility</p:attrName>
+                                        </p:attrNameLst>
+                                      </p:cBhvr>
+                                      <p:to>
+                                        <p:strVal val="visible"/>
+                                      </p:to>
+                                    </p:set>
+                                  </p:childTnLst>
+                                </p:cTn>
+                              </p:par>
+                            </p:childTnLst>
+                          </p:cTn>
+                        </p:par>
+                        <p:par>
+                          <p:cTn id="7" fill="hold">
+                            <p:stCondLst>
+                              <p:cond delay="0"/>
+                            </p:stCondLst>
+                            <p:childTnLst>
+                              <p:par>
+                                <p:cTn id="8" presetID="1" presetClass="entr" presetSubtype="0" fill="hold" nodeType="afterEffect">
+                                  <p:stCondLst>
+                                    <p:cond delay="0"/>
+                                  </p:stCondLst>
+                                  <p:iterate type="lt">
+                                    <p:tmAbs val="100"/>
+                                  </p:iterate>
+                                  <p:childTnLst>
+                                    <p:set>
+                                      <p:cBhvr>
+                                        <p:cTn id="9" dur="1" fill="hold">
+                                          <p:stCondLst>
+                                            <p:cond delay="0"/>
+                                          </p:stCondLst>
+                                        </p:cTn>
+                                        <p:tgtEl>
+                                          <p:spTgt spid="4">
+                                            <p:txEl>
+                                              <p:pRg st="0" end="0"/>
+                                            </p:txEl>
+                                          </p:spTgt>
+                                        </p:tgtEl>
+                                        <p:attrNameLst>
+                                          <p:attrName>style.visibility</p:attrName>
+                                        </p:attrNameLst>
+                                      </p:cBhvr>
+                                      <p:to>
+                                        <p:strVal val="visible"/>
+                                      </p:to>
+                                    </p:set>
+                                  </p:childTnLst>
+                                </p:cTn>
+                              </p:par>
+                            </p:childTnLst>
+                          </p:cTn>
+                        </p:par>
+                      </p:childTnLst>
+                    </p:cTn>
+                  </p:par>
+                  <p:par>
+                    <p:cTn id="10" fill="hold">
+                      <p:stCondLst>
+                        <p:cond delay="indefinite"/>
+                      </p:stCondLst>
+                      <p:childTnLst>
+                        <p:par>
+                          <p:cTn id="11" fill="hold">
+                            <p:stCondLst>
+                              <p:cond delay="0"/>
+                            </p:stCondLst>
+                            <p:childTnLst>
+                              <p:par>
+                                <p:cTn id="12" presetID="1" presetClass="entr" presetSubtype="0" fill="hold" nodeType="clickEffect">
+                                  <p:stCondLst>
+                                    <p:cond delay="0"/>
+                                  </p:stCondLst>
+                                  <p:iterate type="lt">
+                                    <p:tmAbs val="100"/>
+                                  </p:iterate>
+                                  <p:childTnLst>
+                                    <p:set>
+                                      <p:cBhvr>
+                                        <p:cTn id="13" dur="1" fill="hold">
+                                          <p:stCondLst>
+                                            <p:cond delay="0"/>
+                                          </p:stCondLst>
+                                        </p:cTn>
+                                        <p:tgtEl>
+                                          <p:spTgt spid="4">
+                                            <p:txEl>
+                                              <p:pRg st="2" end="2"/>
+                                            </p:txEl>
+                                          </p:spTgt>
+                                        </p:tgtEl>
+                                        <p:attrNameLst>
+                                          <p:attrName>style.visibility</p:attrName>
+                                        </p:attrNameLst>
+                                      </p:cBhvr>
+                                      <p:to>
+                                        <p:strVal val="visible"/>
+                                      </p:to>
+                                    </p:set>
+                                  </p:childTnLst>
+                                </p:cTn>
+                              </p:par>
+                            </p:childTnLst>
+                          </p:cTn>
+                        </p:par>
+                      </p:childTnLst>
+                    </p:cTn>
+                  </p:par>
+                  <p:par>
+                    <p:cTn id="14" fill="hold">
+                      <p:stCondLst>
+                        <p:cond delay="indefinite"/>
+                      </p:stCondLst>
+                      <p:childTnLst>
+                        <p:par>
+                          <p:cTn id="15" fill="hold">
+                            <p:stCondLst>
+                              <p:cond delay="0"/>
+                            </p:stCondLst>
+                            <p:childTnLst>
+                              <p:par>
+                                <p:cTn id="16" presetID="1" presetClass="entr" presetSubtype="0" fill="hold" nodeType="clickEffect">
+                                  <p:stCondLst>
+                                    <p:cond delay="0"/>
+                                  </p:stCondLst>
+                                  <p:iterate type="lt">
+                                    <p:tmAbs val="200"/>
+                                  </p:iterate>
+                                  <p:childTnLst>
+                                    <p:set>
+                                      <p:cBhvr>
+                                        <p:cTn id="17" dur="1" fill="hold">
+                                          <p:stCondLst>
+                                            <p:cond delay="0"/>
+                                          </p:stCondLst>
+                                        </p:cTn>
+                                        <p:tgtEl>
+                                          <p:spTgt spid="4">
+                                            <p:txEl>
+                                              <p:pRg st="4" end="4"/>
+                                            </p:txEl>
+                                          </p:spTgt>
+                                        </p:tgtEl>
+                                        <p:attrNameLst>
+                                          <p:attrName>style.visibility</p:attrName>
+                                        </p:attrNameLst>
+                                      </p:cBhvr>
+                                      <p:to>
+                                        <p:strVal val="visible"/>
+                                      </p:to>
+                                    </p:set>
+                                  </p:childTnLst>
+                                </p:cTn>
+                              </p:par>
+                            </p:childTnLst>
+                          </p:cTn>
+                        </p:par>
+                      </p:childTnLst>
+                    </p:cTn>
+                  </p:par>
+                </p:childTnLst>
+              </p:cTn>
+              <p:prevCondLst>
+                <p:cond evt="onPrev" delay="0">
+                  <p:tgtEl>
+                    <p:sldTgt/>
+                  </p:tgtEl>
+                </p:cond>
+              </p:prevCondLst>
+              <p:nextCondLst>
+                <p:cond evt="onNext" delay="0">
+                  <p:tgtEl>
+                    <p:sldTgt/>
+                  </p:tgtEl>
+                </p:cond>
+              </p:nextCondLst>
+            </p:seq>
+          </p:childTnLst>
+        </p:cTn>
+      </p:par>
+    </p:tnLst>
+  </p:timing>
 </p:sld>
 </file>
 
@@ -4021,11 +4608,19 @@
               <a:t>Установленная утилита </a:t>
             </a:r>
             <a:r>
-              <a:rPr lang="en-US" dirty="0" err="1" smtClean="0"/>
+              <a:rPr lang="en-US" b="1" dirty="0" err="1" smtClean="0">
+                <a:solidFill>
+                  <a:srgbClr val="0070C0"/>
+                </a:solidFill>
+              </a:rPr>
               <a:t>whitenoise</a:t>
             </a:r>
             <a:r>
-              <a:rPr lang="en-US" dirty="0" smtClean="0"/>
+              <a:rPr lang="en-US" b="1" dirty="0" smtClean="0">
+                <a:solidFill>
+                  <a:srgbClr val="0070C0"/>
+                </a:solidFill>
+              </a:rPr>
               <a:t> </a:t>
             </a:r>
             <a:r>
@@ -4040,7 +4635,19 @@
             </a:r>
             <a:r>
               <a:rPr lang="ru-RU" dirty="0"/>
-              <a:t>дополнительную команду под названием collectstatic, на сервере. </a:t>
+              <a:t>дополнительную команду </a:t>
+            </a:r>
+            <a:r>
+              <a:rPr lang="ru-RU" dirty="0" err="1" smtClean="0">
+                <a:solidFill>
+                  <a:srgbClr val="0070C0"/>
+                </a:solidFill>
+              </a:rPr>
+              <a:t>collectstatic</a:t>
+            </a:r>
+            <a:r>
+              <a:rPr lang="ru-RU" dirty="0"/>
+              <a:t>, на сервере. </a:t>
             </a:r>
             <a:endParaRPr lang="ru-RU" dirty="0" smtClean="0"/>
           </a:p>
@@ -4130,6 +4737,234 @@
   <p:clrMapOvr>
     <a:masterClrMapping/>
   </p:clrMapOvr>
+  <p:timing>
+    <p:tnLst>
+      <p:par>
+        <p:cTn id="1" dur="indefinite" restart="never" nodeType="tmRoot">
+          <p:childTnLst>
+            <p:seq concurrent="1" nextAc="seek">
+              <p:cTn id="2" dur="indefinite" nodeType="mainSeq">
+                <p:childTnLst>
+                  <p:par>
+                    <p:cTn id="3" fill="hold">
+                      <p:stCondLst>
+                        <p:cond delay="indefinite"/>
+                      </p:stCondLst>
+                      <p:childTnLst>
+                        <p:par>
+                          <p:cTn id="4" fill="hold">
+                            <p:stCondLst>
+                              <p:cond delay="0"/>
+                            </p:stCondLst>
+                            <p:childTnLst>
+                              <p:par>
+                                <p:cTn id="5" presetID="1" presetClass="entr" presetSubtype="0" fill="hold" nodeType="clickEffect">
+                                  <p:stCondLst>
+                                    <p:cond delay="0"/>
+                                  </p:stCondLst>
+                                  <p:childTnLst>
+                                    <p:set>
+                                      <p:cBhvr>
+                                        <p:cTn id="6" dur="1" fill="hold">
+                                          <p:stCondLst>
+                                            <p:cond delay="0"/>
+                                          </p:stCondLst>
+                                        </p:cTn>
+                                        <p:tgtEl>
+                                          <p:spTgt spid="3">
+                                            <p:txEl>
+                                              <p:pRg st="0" end="0"/>
+                                            </p:txEl>
+                                          </p:spTgt>
+                                        </p:tgtEl>
+                                        <p:attrNameLst>
+                                          <p:attrName>style.visibility</p:attrName>
+                                        </p:attrNameLst>
+                                      </p:cBhvr>
+                                      <p:to>
+                                        <p:strVal val="visible"/>
+                                      </p:to>
+                                    </p:set>
+                                  </p:childTnLst>
+                                </p:cTn>
+                              </p:par>
+                            </p:childTnLst>
+                          </p:cTn>
+                        </p:par>
+                      </p:childTnLst>
+                    </p:cTn>
+                  </p:par>
+                  <p:par>
+                    <p:cTn id="7" fill="hold">
+                      <p:stCondLst>
+                        <p:cond delay="indefinite"/>
+                      </p:stCondLst>
+                      <p:childTnLst>
+                        <p:par>
+                          <p:cTn id="8" fill="hold">
+                            <p:stCondLst>
+                              <p:cond delay="0"/>
+                            </p:stCondLst>
+                            <p:childTnLst>
+                              <p:par>
+                                <p:cTn id="9" presetID="1" presetClass="entr" presetSubtype="0" fill="hold" nodeType="clickEffect">
+                                  <p:stCondLst>
+                                    <p:cond delay="0"/>
+                                  </p:stCondLst>
+                                  <p:childTnLst>
+                                    <p:set>
+                                      <p:cBhvr>
+                                        <p:cTn id="10" dur="1" fill="hold">
+                                          <p:stCondLst>
+                                            <p:cond delay="0"/>
+                                          </p:stCondLst>
+                                        </p:cTn>
+                                        <p:tgtEl>
+                                          <p:spTgt spid="3">
+                                            <p:txEl>
+                                              <p:pRg st="2" end="2"/>
+                                            </p:txEl>
+                                          </p:spTgt>
+                                        </p:tgtEl>
+                                        <p:attrNameLst>
+                                          <p:attrName>style.visibility</p:attrName>
+                                        </p:attrNameLst>
+                                      </p:cBhvr>
+                                      <p:to>
+                                        <p:strVal val="visible"/>
+                                      </p:to>
+                                    </p:set>
+                                  </p:childTnLst>
+                                </p:cTn>
+                              </p:par>
+                            </p:childTnLst>
+                          </p:cTn>
+                        </p:par>
+                      </p:childTnLst>
+                    </p:cTn>
+                  </p:par>
+                  <p:par>
+                    <p:cTn id="11" fill="hold">
+                      <p:stCondLst>
+                        <p:cond delay="indefinite"/>
+                      </p:stCondLst>
+                      <p:childTnLst>
+                        <p:par>
+                          <p:cTn id="12" fill="hold">
+                            <p:stCondLst>
+                              <p:cond delay="0"/>
+                            </p:stCondLst>
+                            <p:childTnLst>
+                              <p:par>
+                                <p:cTn id="13" presetID="1" presetClass="entr" presetSubtype="0" fill="hold" nodeType="clickEffect">
+                                  <p:stCondLst>
+                                    <p:cond delay="0"/>
+                                  </p:stCondLst>
+                                  <p:childTnLst>
+                                    <p:set>
+                                      <p:cBhvr>
+                                        <p:cTn id="14" dur="1" fill="hold">
+                                          <p:stCondLst>
+                                            <p:cond delay="0"/>
+                                          </p:stCondLst>
+                                        </p:cTn>
+                                        <p:tgtEl>
+                                          <p:spTgt spid="3">
+                                            <p:txEl>
+                                              <p:pRg st="3" end="3"/>
+                                            </p:txEl>
+                                          </p:spTgt>
+                                        </p:tgtEl>
+                                        <p:attrNameLst>
+                                          <p:attrName>style.visibility</p:attrName>
+                                        </p:attrNameLst>
+                                      </p:cBhvr>
+                                      <p:to>
+                                        <p:strVal val="visible"/>
+                                      </p:to>
+                                    </p:set>
+                                  </p:childTnLst>
+                                </p:cTn>
+                              </p:par>
+                            </p:childTnLst>
+                          </p:cTn>
+                        </p:par>
+                      </p:childTnLst>
+                    </p:cTn>
+                  </p:par>
+                  <p:par>
+                    <p:cTn id="15" fill="hold">
+                      <p:stCondLst>
+                        <p:cond delay="indefinite"/>
+                      </p:stCondLst>
+                      <p:childTnLst>
+                        <p:par>
+                          <p:cTn id="16" fill="hold">
+                            <p:stCondLst>
+                              <p:cond delay="0"/>
+                            </p:stCondLst>
+                            <p:childTnLst>
+                              <p:par>
+                                <p:cTn id="17" presetID="1" presetClass="entr" presetSubtype="0" fill="hold" grpId="0" nodeType="clickEffect">
+                                  <p:stCondLst>
+                                    <p:cond delay="0"/>
+                                  </p:stCondLst>
+                                  <p:iterate type="lt">
+                                    <p:tmAbs val="100"/>
+                                  </p:iterate>
+                                  <p:childTnLst>
+                                    <p:set>
+                                      <p:cBhvr>
+                                        <p:cTn id="18" dur="1" fill="hold">
+                                          <p:stCondLst>
+                                            <p:cond delay="0"/>
+                                          </p:stCondLst>
+                                        </p:cTn>
+                                        <p:tgtEl>
+                                          <p:spTgt spid="5"/>
+                                        </p:tgtEl>
+                                        <p:attrNameLst>
+                                          <p:attrName>style.visibility</p:attrName>
+                                        </p:attrNameLst>
+                                      </p:cBhvr>
+                                      <p:to>
+                                        <p:strVal val="visible"/>
+                                      </p:to>
+                                    </p:set>
+                                  </p:childTnLst>
+                                </p:cTn>
+                              </p:par>
+                            </p:childTnLst>
+                          </p:cTn>
+                        </p:par>
+                      </p:childTnLst>
+                    </p:cTn>
+                  </p:par>
+                </p:childTnLst>
+              </p:cTn>
+              <p:prevCondLst>
+                <p:cond evt="onPrev" delay="0">
+                  <p:tgtEl>
+                    <p:sldTgt/>
+                  </p:tgtEl>
+                </p:cond>
+              </p:prevCondLst>
+              <p:nextCondLst>
+                <p:cond evt="onNext" delay="0">
+                  <p:tgtEl>
+                    <p:sldTgt/>
+                  </p:tgtEl>
+                </p:cond>
+              </p:nextCondLst>
+            </p:seq>
+          </p:childTnLst>
+        </p:cTn>
+      </p:par>
+    </p:tnLst>
+    <p:bldLst>
+      <p:bldP spid="5" grpId="0"/>
+    </p:bldLst>
+  </p:timing>
 </p:sld>
 </file>
 
@@ -4205,19 +5040,23 @@
               <a:t>сервер </a:t>
             </a:r>
             <a:r>
+              <a:rPr lang="ru-RU" dirty="0" smtClean="0"/>
+              <a:t>используют </a:t>
+            </a:r>
+            <a:r>
               <a:rPr lang="ru-RU" dirty="0"/>
-              <a:t>- они используют разные базы данных. </a:t>
+              <a:t>разные базы данных. </a:t>
             </a:r>
             <a:endParaRPr lang="ru-RU" dirty="0" smtClean="0"/>
           </a:p>
           <a:p>
             <a:r>
               <a:rPr lang="ru-RU" dirty="0" smtClean="0"/>
-              <a:t>Таким </a:t>
+              <a:t>Пользовательские </a:t>
             </a:r>
             <a:r>
               <a:rPr lang="ru-RU" dirty="0"/>
-              <a:t>образом, пользовательские аккаунты и записи в блоге на сервере и локальном компьютере могут отличаться друг от друга</a:t>
+              <a:t>аккаунты и записи в блоге на сервере и локальном компьютере могут отличаться друг от друга</a:t>
             </a:r>
             <a:r>
               <a:rPr lang="ru-RU" dirty="0" smtClean="0"/>
@@ -4236,7 +5075,31 @@
             </a:r>
             <a:r>
               <a:rPr lang="ru-RU" dirty="0"/>
-              <a:t>компьютере, с помощью команд migrate и createsuperuser:</a:t>
+              <a:t>компьютере, с помощью команд </a:t>
+            </a:r>
+            <a:r>
+              <a:rPr lang="ru-RU" b="1" dirty="0">
+                <a:solidFill>
+                  <a:srgbClr val="0070C0"/>
+                </a:solidFill>
+              </a:rPr>
+              <a:t>migrate</a:t>
+            </a:r>
+            <a:r>
+              <a:rPr lang="ru-RU" dirty="0"/>
+              <a:t> и </a:t>
+            </a:r>
+            <a:r>
+              <a:rPr lang="ru-RU" b="1" dirty="0">
+                <a:solidFill>
+                  <a:srgbClr val="0070C0"/>
+                </a:solidFill>
+              </a:rPr>
+              <a:t>createsuperuser</a:t>
+            </a:r>
+            <a:r>
+              <a:rPr lang="ru-RU" dirty="0"/>
+              <a:t>:</a:t>
             </a:r>
           </a:p>
         </p:txBody>
@@ -4251,8 +5114,8 @@
         </p:nvSpPr>
         <p:spPr bwMode="auto">
           <a:xfrm>
-            <a:off x="2973234" y="5730415"/>
-            <a:ext cx="5468164" cy="400110"/>
+            <a:off x="2973234" y="5449678"/>
+            <a:ext cx="4600940" cy="400110"/>
           </a:xfrm>
           <a:prstGeom prst="rect">
             <a:avLst/>
@@ -4327,7 +5190,46 @@
                 <a:effectLst/>
                 <a:latin typeface="Arial Unicode MS"/>
               </a:rPr>
-              <a:t>(myvenv)20:20 ~ $ python manage.py migrate</a:t>
+              <a:t>(</a:t>
+            </a:r>
+            <a:r>
+              <a:rPr kumimoji="0" lang="ru-RU" altLang="ru-RU" sz="2000" b="0" i="0" u="none" strike="noStrike" cap="none" normalizeH="0" baseline="0" dirty="0" err="1" smtClean="0">
+                <a:ln>
+                  <a:noFill/>
+                </a:ln>
+                <a:solidFill>
+                  <a:schemeClr val="tx1"/>
+                </a:solidFill>
+                <a:effectLst/>
+                <a:latin typeface="Arial Unicode MS"/>
+              </a:rPr>
+              <a:t>myvenv</a:t>
+            </a:r>
+            <a:r>
+              <a:rPr kumimoji="0" lang="ru-RU" altLang="ru-RU" sz="2000" b="0" i="0" u="none" strike="noStrike" cap="none" normalizeH="0" baseline="0" dirty="0" smtClean="0">
+                <a:ln>
+                  <a:noFill/>
+                </a:ln>
+                <a:solidFill>
+                  <a:schemeClr val="tx1"/>
+                </a:solidFill>
+                <a:effectLst/>
+                <a:latin typeface="Arial Unicode MS"/>
+              </a:rPr>
+              <a:t>) $ </a:t>
+            </a:r>
+            <a:r>
+              <a:rPr kumimoji="0" lang="ru-RU" altLang="ru-RU" sz="2000" b="0" i="0" u="none" strike="noStrike" cap="none" normalizeH="0" baseline="0" dirty="0" smtClean="0">
+                <a:ln>
+                  <a:noFill/>
+                </a:ln>
+                <a:solidFill>
+                  <a:schemeClr val="tx1"/>
+                </a:solidFill>
+                <a:effectLst/>
+                <a:latin typeface="Arial Unicode MS"/>
+              </a:rPr>
+              <a:t>python manage.py migrate</a:t>
             </a:r>
             <a:r>
               <a:rPr kumimoji="0" lang="ru-RU" altLang="ru-RU" sz="1600" b="0" i="0" u="none" strike="noStrike" cap="none" normalizeH="0" baseline="0" dirty="0" smtClean="0">
@@ -4364,8 +5266,8 @@
         </p:nvSpPr>
         <p:spPr bwMode="auto">
           <a:xfrm>
-            <a:off x="2973234" y="6221997"/>
-            <a:ext cx="6336991" cy="400110"/>
+            <a:off x="3062884" y="6021942"/>
+            <a:ext cx="5469767" cy="400110"/>
           </a:xfrm>
           <a:prstGeom prst="rect">
             <a:avLst/>
@@ -4440,7 +5342,46 @@
                 <a:effectLst/>
                 <a:latin typeface="Arial Unicode MS"/>
               </a:rPr>
-              <a:t>(mvenv)20:20 ~ $ python manage.py createsuperuser</a:t>
+              <a:t>(</a:t>
+            </a:r>
+            <a:r>
+              <a:rPr kumimoji="0" lang="ru-RU" altLang="ru-RU" sz="2000" b="0" i="0" u="none" strike="noStrike" cap="none" normalizeH="0" baseline="0" dirty="0" err="1" smtClean="0">
+                <a:ln>
+                  <a:noFill/>
+                </a:ln>
+                <a:solidFill>
+                  <a:schemeClr val="tx1"/>
+                </a:solidFill>
+                <a:effectLst/>
+                <a:latin typeface="Arial Unicode MS"/>
+              </a:rPr>
+              <a:t>mvenv</a:t>
+            </a:r>
+            <a:r>
+              <a:rPr kumimoji="0" lang="ru-RU" altLang="ru-RU" sz="2000" b="0" i="0" u="none" strike="noStrike" cap="none" normalizeH="0" baseline="0" dirty="0" smtClean="0">
+                <a:ln>
+                  <a:noFill/>
+                </a:ln>
+                <a:solidFill>
+                  <a:schemeClr val="tx1"/>
+                </a:solidFill>
+                <a:effectLst/>
+                <a:latin typeface="Arial Unicode MS"/>
+              </a:rPr>
+              <a:t>) </a:t>
+            </a:r>
+            <a:r>
+              <a:rPr kumimoji="0" lang="ru-RU" altLang="ru-RU" sz="2000" b="0" i="0" u="none" strike="noStrike" cap="none" normalizeH="0" baseline="0" dirty="0" smtClean="0">
+                <a:ln>
+                  <a:noFill/>
+                </a:ln>
+                <a:solidFill>
+                  <a:schemeClr val="tx1"/>
+                </a:solidFill>
+                <a:effectLst/>
+                <a:latin typeface="Arial Unicode MS"/>
+              </a:rPr>
+              <a:t>$ python manage.py createsuperuser</a:t>
             </a:r>
             <a:r>
               <a:rPr kumimoji="0" lang="ru-RU" altLang="ru-RU" sz="1600" b="0" i="0" u="none" strike="noStrike" cap="none" normalizeH="0" baseline="0" dirty="0" smtClean="0">
@@ -4477,6 +5418,283 @@
   <p:clrMapOvr>
     <a:masterClrMapping/>
   </p:clrMapOvr>
+  <p:timing>
+    <p:tnLst>
+      <p:par>
+        <p:cTn id="1" dur="indefinite" restart="never" nodeType="tmRoot">
+          <p:childTnLst>
+            <p:seq concurrent="1" nextAc="seek">
+              <p:cTn id="2" dur="indefinite" nodeType="mainSeq">
+                <p:childTnLst>
+                  <p:par>
+                    <p:cTn id="3" fill="hold">
+                      <p:stCondLst>
+                        <p:cond delay="indefinite"/>
+                      </p:stCondLst>
+                      <p:childTnLst>
+                        <p:par>
+                          <p:cTn id="4" fill="hold">
+                            <p:stCondLst>
+                              <p:cond delay="0"/>
+                            </p:stCondLst>
+                            <p:childTnLst>
+                              <p:par>
+                                <p:cTn id="5" presetID="1" presetClass="entr" presetSubtype="0" fill="hold" nodeType="clickEffect">
+                                  <p:stCondLst>
+                                    <p:cond delay="0"/>
+                                  </p:stCondLst>
+                                  <p:childTnLst>
+                                    <p:set>
+                                      <p:cBhvr>
+                                        <p:cTn id="6" dur="1" fill="hold">
+                                          <p:stCondLst>
+                                            <p:cond delay="0"/>
+                                          </p:stCondLst>
+                                        </p:cTn>
+                                        <p:tgtEl>
+                                          <p:spTgt spid="3">
+                                            <p:txEl>
+                                              <p:pRg st="0" end="0"/>
+                                            </p:txEl>
+                                          </p:spTgt>
+                                        </p:tgtEl>
+                                        <p:attrNameLst>
+                                          <p:attrName>style.visibility</p:attrName>
+                                        </p:attrNameLst>
+                                      </p:cBhvr>
+                                      <p:to>
+                                        <p:strVal val="visible"/>
+                                      </p:to>
+                                    </p:set>
+                                  </p:childTnLst>
+                                </p:cTn>
+                              </p:par>
+                            </p:childTnLst>
+                          </p:cTn>
+                        </p:par>
+                      </p:childTnLst>
+                    </p:cTn>
+                  </p:par>
+                  <p:par>
+                    <p:cTn id="7" fill="hold">
+                      <p:stCondLst>
+                        <p:cond delay="indefinite"/>
+                      </p:stCondLst>
+                      <p:childTnLst>
+                        <p:par>
+                          <p:cTn id="8" fill="hold">
+                            <p:stCondLst>
+                              <p:cond delay="0"/>
+                            </p:stCondLst>
+                            <p:childTnLst>
+                              <p:par>
+                                <p:cTn id="9" presetID="1" presetClass="entr" presetSubtype="0" fill="hold" nodeType="clickEffect">
+                                  <p:stCondLst>
+                                    <p:cond delay="0"/>
+                                  </p:stCondLst>
+                                  <p:childTnLst>
+                                    <p:set>
+                                      <p:cBhvr>
+                                        <p:cTn id="10" dur="1" fill="hold">
+                                          <p:stCondLst>
+                                            <p:cond delay="0"/>
+                                          </p:stCondLst>
+                                        </p:cTn>
+                                        <p:tgtEl>
+                                          <p:spTgt spid="3">
+                                            <p:txEl>
+                                              <p:pRg st="1" end="1"/>
+                                            </p:txEl>
+                                          </p:spTgt>
+                                        </p:tgtEl>
+                                        <p:attrNameLst>
+                                          <p:attrName>style.visibility</p:attrName>
+                                        </p:attrNameLst>
+                                      </p:cBhvr>
+                                      <p:to>
+                                        <p:strVal val="visible"/>
+                                      </p:to>
+                                    </p:set>
+                                  </p:childTnLst>
+                                </p:cTn>
+                              </p:par>
+                            </p:childTnLst>
+                          </p:cTn>
+                        </p:par>
+                      </p:childTnLst>
+                    </p:cTn>
+                  </p:par>
+                  <p:par>
+                    <p:cTn id="11" fill="hold">
+                      <p:stCondLst>
+                        <p:cond delay="indefinite"/>
+                      </p:stCondLst>
+                      <p:childTnLst>
+                        <p:par>
+                          <p:cTn id="12" fill="hold">
+                            <p:stCondLst>
+                              <p:cond delay="0"/>
+                            </p:stCondLst>
+                            <p:childTnLst>
+                              <p:par>
+                                <p:cTn id="13" presetID="1" presetClass="entr" presetSubtype="0" fill="hold" nodeType="clickEffect">
+                                  <p:stCondLst>
+                                    <p:cond delay="0"/>
+                                  </p:stCondLst>
+                                  <p:childTnLst>
+                                    <p:set>
+                                      <p:cBhvr>
+                                        <p:cTn id="14" dur="1" fill="hold">
+                                          <p:stCondLst>
+                                            <p:cond delay="0"/>
+                                          </p:stCondLst>
+                                        </p:cTn>
+                                        <p:tgtEl>
+                                          <p:spTgt spid="3">
+                                            <p:txEl>
+                                              <p:pRg st="2" end="2"/>
+                                            </p:txEl>
+                                          </p:spTgt>
+                                        </p:tgtEl>
+                                        <p:attrNameLst>
+                                          <p:attrName>style.visibility</p:attrName>
+                                        </p:attrNameLst>
+                                      </p:cBhvr>
+                                      <p:to>
+                                        <p:strVal val="visible"/>
+                                      </p:to>
+                                    </p:set>
+                                  </p:childTnLst>
+                                </p:cTn>
+                              </p:par>
+                            </p:childTnLst>
+                          </p:cTn>
+                        </p:par>
+                      </p:childTnLst>
+                    </p:cTn>
+                  </p:par>
+                  <p:par>
+                    <p:cTn id="15" fill="hold">
+                      <p:stCondLst>
+                        <p:cond delay="indefinite"/>
+                      </p:stCondLst>
+                      <p:childTnLst>
+                        <p:par>
+                          <p:cTn id="16" fill="hold">
+                            <p:stCondLst>
+                              <p:cond delay="0"/>
+                            </p:stCondLst>
+                            <p:childTnLst>
+                              <p:par>
+                                <p:cTn id="17" presetID="1" presetClass="entr" presetSubtype="0" fill="hold" grpId="0" nodeType="clickEffect">
+                                  <p:stCondLst>
+                                    <p:cond delay="0"/>
+                                  </p:stCondLst>
+                                  <p:iterate type="lt">
+                                    <p:tmAbs val="100"/>
+                                  </p:iterate>
+                                  <p:childTnLst>
+                                    <p:set>
+                                      <p:cBhvr>
+                                        <p:cTn id="18" dur="1" fill="hold">
+                                          <p:stCondLst>
+                                            <p:cond delay="0"/>
+                                          </p:stCondLst>
+                                        </p:cTn>
+                                        <p:tgtEl>
+                                          <p:spTgt spid="4"/>
+                                        </p:tgtEl>
+                                        <p:attrNameLst>
+                                          <p:attrName>style.visibility</p:attrName>
+                                        </p:attrNameLst>
+                                      </p:cBhvr>
+                                      <p:to>
+                                        <p:strVal val="visible"/>
+                                      </p:to>
+                                    </p:set>
+                                  </p:childTnLst>
+                                </p:cTn>
+                              </p:par>
+                            </p:childTnLst>
+                          </p:cTn>
+                        </p:par>
+                      </p:childTnLst>
+                    </p:cTn>
+                  </p:par>
+                  <p:par>
+                    <p:cTn id="19" fill="hold">
+                      <p:stCondLst>
+                        <p:cond delay="indefinite"/>
+                      </p:stCondLst>
+                      <p:childTnLst>
+                        <p:par>
+                          <p:cTn id="20" fill="hold">
+                            <p:stCondLst>
+                              <p:cond delay="0"/>
+                            </p:stCondLst>
+                            <p:childTnLst>
+                              <p:par>
+                                <p:cTn id="21" presetID="1" presetClass="entr" presetSubtype="0" fill="hold" grpId="0" nodeType="clickEffect">
+                                  <p:stCondLst>
+                                    <p:cond delay="0"/>
+                                  </p:stCondLst>
+                                  <p:iterate type="lt">
+                                    <p:tmAbs val="100"/>
+                                  </p:iterate>
+                                  <p:childTnLst>
+                                    <p:set>
+                                      <p:cBhvr>
+                                        <p:cTn id="22" dur="1" fill="hold">
+                                          <p:stCondLst>
+                                            <p:cond delay="0"/>
+                                          </p:stCondLst>
+                                        </p:cTn>
+                                        <p:tgtEl>
+                                          <p:spTgt spid="5"/>
+                                        </p:tgtEl>
+                                        <p:attrNameLst>
+                                          <p:attrName>style.visibility</p:attrName>
+                                        </p:attrNameLst>
+                                      </p:cBhvr>
+                                      <p:to>
+                                        <p:strVal val="visible"/>
+                                      </p:to>
+                                    </p:set>
+                                  </p:childTnLst>
+                                </p:cTn>
+                              </p:par>
+                            </p:childTnLst>
+                          </p:cTn>
+                        </p:par>
+                      </p:childTnLst>
+                    </p:cTn>
+                  </p:par>
+                </p:childTnLst>
+              </p:cTn>
+              <p:prevCondLst>
+                <p:cond evt="onPrev" delay="0">
+                  <p:tgtEl>
+                    <p:sldTgt/>
+                  </p:tgtEl>
+                </p:cond>
+              </p:prevCondLst>
+              <p:nextCondLst>
+                <p:cond evt="onNext" delay="0">
+                  <p:tgtEl>
+                    <p:sldTgt/>
+                  </p:tgtEl>
+                </p:cond>
+              </p:nextCondLst>
+            </p:seq>
+          </p:childTnLst>
+        </p:cTn>
+      </p:par>
+    </p:tnLst>
+    <p:bldLst>
+      <p:bldP spid="4" grpId="0"/>
+      <p:bldP spid="5" grpId="0"/>
+    </p:bldLst>
+  </p:timing>
 </p:sld>
 </file>
 
@@ -4558,11 +5776,17 @@
             </a:r>
             <a:r>
               <a:rPr lang="ru-RU" dirty="0"/>
-              <a:t>на лого в верхнем левом углу, затем </a:t>
+              <a:t>на лого в верхнем левом </a:t>
             </a:r>
             <a:r>
               <a:rPr lang="ru-RU" dirty="0" smtClean="0"/>
-              <a:t>переключится </a:t>
+              <a:t>углу</a:t>
+            </a:r>
+          </a:p>
+          <a:p>
+            <a:r>
+              <a:rPr lang="ru-RU" dirty="0" smtClean="0"/>
+              <a:t>Переключится </a:t>
             </a:r>
             <a:r>
               <a:rPr lang="ru-RU" dirty="0"/>
@@ -4657,6 +5881,109 @@
           </a:p>
         </p:txBody>
       </p:sp>
+      <p:pic>
+        <p:nvPicPr>
+          <p:cNvPr id="1026" name="Picture 2" descr="PythonAnywhere logo"/>
+          <p:cNvPicPr>
+            <a:picLocks noChangeAspect="1" noChangeArrowheads="1"/>
+          </p:cNvPicPr>
+          <p:nvPr/>
+        </p:nvPicPr>
+        <p:blipFill>
+          <a:blip r:embed="rId2">
+            <a:extLst>
+              <a:ext uri="{28A0092B-C50C-407E-A947-70E740481C1C}">
+                <a14:useLocalDpi xmlns:a14="http://schemas.microsoft.com/office/drawing/2010/main" val="0"/>
+              </a:ext>
+            </a:extLst>
+          </a:blip>
+          <a:srcRect/>
+          <a:stretch>
+            <a:fillRect/>
+          </a:stretch>
+        </p:blipFill>
+        <p:spPr bwMode="auto">
+          <a:xfrm>
+            <a:off x="4799292" y="2036015"/>
+            <a:ext cx="2228850" cy="333376"/>
+          </a:xfrm>
+          <a:prstGeom prst="rect">
+            <a:avLst/>
+          </a:prstGeom>
+          <a:noFill/>
+          <a:extLst>
+            <a:ext uri="{909E8E84-426E-40DD-AFC4-6F175D3DCCD1}">
+              <a14:hiddenFill xmlns:a14="http://schemas.microsoft.com/office/drawing/2010/main">
+                <a:solidFill>
+                  <a:srgbClr val="FFFFFF"/>
+                </a:solidFill>
+              </a14:hiddenFill>
+            </a:ext>
+          </a:extLst>
+        </p:spPr>
+      </p:pic>
+      <p:pic>
+        <p:nvPicPr>
+          <p:cNvPr id="1027" name="Picture 3"/>
+          <p:cNvPicPr>
+            <a:picLocks noChangeAspect="1" noChangeArrowheads="1"/>
+          </p:cNvPicPr>
+          <p:nvPr/>
+        </p:nvPicPr>
+        <p:blipFill rotWithShape="1">
+          <a:blip r:embed="rId3">
+            <a:extLst>
+              <a:ext uri="{28A0092B-C50C-407E-A947-70E740481C1C}">
+                <a14:useLocalDpi xmlns:a14="http://schemas.microsoft.com/office/drawing/2010/main" val="0"/>
+              </a:ext>
+            </a:extLst>
+          </a:blip>
+          <a:srcRect l="20147" t="24292" r="70784" b="72672"/>
+          <a:stretch/>
+        </p:blipFill>
+        <p:spPr bwMode="auto">
+          <a:xfrm>
+            <a:off x="2572868" y="3108508"/>
+            <a:ext cx="2817029" cy="530413"/>
+          </a:xfrm>
+          <a:prstGeom prst="rect">
+            <a:avLst/>
+          </a:prstGeom>
+          <a:noFill/>
+          <a:ln>
+            <a:noFill/>
+          </a:ln>
+          <a:effectLst/>
+          <a:extLst>
+            <a:ext uri="{909E8E84-426E-40DD-AFC4-6F175D3DCCD1}">
+              <a14:hiddenFill xmlns:a14="http://schemas.microsoft.com/office/drawing/2010/main">
+                <a:solidFill>
+                  <a:schemeClr val="accent1"/>
+                </a:solidFill>
+              </a14:hiddenFill>
+            </a:ext>
+            <a:ext uri="{91240B29-F687-4F45-9708-019B960494DF}">
+              <a14:hiddenLine xmlns:a14="http://schemas.microsoft.com/office/drawing/2010/main" w="9525">
+                <a:solidFill>
+                  <a:schemeClr val="tx1"/>
+                </a:solidFill>
+                <a:miter lim="800000"/>
+                <a:headEnd/>
+                <a:tailEnd/>
+              </a14:hiddenLine>
+            </a:ext>
+            <a:ext uri="{AF507438-7753-43E0-B8FC-AC1667EBCBE1}">
+              <a14:hiddenEffects xmlns:a14="http://schemas.microsoft.com/office/drawing/2010/main">
+                <a:effectLst>
+                  <a:outerShdw dist="35921" dir="2700000" algn="ctr" rotWithShape="0">
+                    <a:schemeClr val="bg2"/>
+                  </a:outerShdw>
+                </a:effectLst>
+              </a14:hiddenEffects>
+            </a:ext>
+          </a:extLst>
+        </p:spPr>
+      </p:pic>
     </p:spTree>
     <p:extLst>
       <p:ext uri="{BB962C8B-B14F-4D97-AF65-F5344CB8AC3E}">
@@ -4667,6 +5994,240 @@
   <p:clrMapOvr>
     <a:masterClrMapping/>
   </p:clrMapOvr>
+  <p:timing>
+    <p:tnLst>
+      <p:par>
+        <p:cTn id="1" dur="indefinite" restart="never" nodeType="tmRoot">
+          <p:childTnLst>
+            <p:seq concurrent="1" nextAc="seek">
+              <p:cTn id="2" dur="indefinite" nodeType="mainSeq">
+                <p:childTnLst>
+                  <p:par>
+                    <p:cTn id="3" fill="hold">
+                      <p:stCondLst>
+                        <p:cond delay="indefinite"/>
+                      </p:stCondLst>
+                      <p:childTnLst>
+                        <p:par>
+                          <p:cTn id="4" fill="hold">
+                            <p:stCondLst>
+                              <p:cond delay="0"/>
+                            </p:stCondLst>
+                            <p:childTnLst>
+                              <p:par>
+                                <p:cTn id="5" presetID="1" presetClass="entr" presetSubtype="0" fill="hold" grpId="0" nodeType="clickEffect">
+                                  <p:stCondLst>
+                                    <p:cond delay="0"/>
+                                  </p:stCondLst>
+                                  <p:childTnLst>
+                                    <p:set>
+                                      <p:cBhvr>
+                                        <p:cTn id="6" dur="1" fill="hold">
+                                          <p:stCondLst>
+                                            <p:cond delay="0"/>
+                                          </p:stCondLst>
+                                        </p:cTn>
+                                        <p:tgtEl>
+                                          <p:spTgt spid="3">
+                                            <p:txEl>
+                                              <p:pRg st="0" end="0"/>
+                                            </p:txEl>
+                                          </p:spTgt>
+                                        </p:tgtEl>
+                                        <p:attrNameLst>
+                                          <p:attrName>style.visibility</p:attrName>
+                                        </p:attrNameLst>
+                                      </p:cBhvr>
+                                      <p:to>
+                                        <p:strVal val="visible"/>
+                                      </p:to>
+                                    </p:set>
+                                  </p:childTnLst>
+                                </p:cTn>
+                              </p:par>
+                              <p:par>
+                                <p:cTn id="7" presetID="1" presetClass="entr" presetSubtype="0" fill="hold" nodeType="withEffect">
+                                  <p:stCondLst>
+                                    <p:cond delay="0"/>
+                                  </p:stCondLst>
+                                  <p:childTnLst>
+                                    <p:set>
+                                      <p:cBhvr>
+                                        <p:cTn id="8" dur="1" fill="hold">
+                                          <p:stCondLst>
+                                            <p:cond delay="0"/>
+                                          </p:stCondLst>
+                                        </p:cTn>
+                                        <p:tgtEl>
+                                          <p:spTgt spid="1026"/>
+                                        </p:tgtEl>
+                                        <p:attrNameLst>
+                                          <p:attrName>style.visibility</p:attrName>
+                                        </p:attrNameLst>
+                                      </p:cBhvr>
+                                      <p:to>
+                                        <p:strVal val="visible"/>
+                                      </p:to>
+                                    </p:set>
+                                  </p:childTnLst>
+                                </p:cTn>
+                              </p:par>
+                            </p:childTnLst>
+                          </p:cTn>
+                        </p:par>
+                      </p:childTnLst>
+                    </p:cTn>
+                  </p:par>
+                  <p:par>
+                    <p:cTn id="9" fill="hold">
+                      <p:stCondLst>
+                        <p:cond delay="indefinite"/>
+                      </p:stCondLst>
+                      <p:childTnLst>
+                        <p:par>
+                          <p:cTn id="10" fill="hold">
+                            <p:stCondLst>
+                              <p:cond delay="0"/>
+                            </p:stCondLst>
+                            <p:childTnLst>
+                              <p:par>
+                                <p:cTn id="11" presetID="1" presetClass="entr" presetSubtype="0" fill="hold" grpId="0" nodeType="clickEffect">
+                                  <p:stCondLst>
+                                    <p:cond delay="0"/>
+                                  </p:stCondLst>
+                                  <p:childTnLst>
+                                    <p:set>
+                                      <p:cBhvr>
+                                        <p:cTn id="12" dur="1" fill="hold">
+                                          <p:stCondLst>
+                                            <p:cond delay="0"/>
+                                          </p:stCondLst>
+                                        </p:cTn>
+                                        <p:tgtEl>
+                                          <p:spTgt spid="3">
+                                            <p:txEl>
+                                              <p:pRg st="1" end="1"/>
+                                            </p:txEl>
+                                          </p:spTgt>
+                                        </p:tgtEl>
+                                        <p:attrNameLst>
+                                          <p:attrName>style.visibility</p:attrName>
+                                        </p:attrNameLst>
+                                      </p:cBhvr>
+                                      <p:to>
+                                        <p:strVal val="visible"/>
+                                      </p:to>
+                                    </p:set>
+                                  </p:childTnLst>
+                                </p:cTn>
+                              </p:par>
+                              <p:par>
+                                <p:cTn id="13" presetID="1" presetClass="entr" presetSubtype="0" fill="hold" nodeType="withEffect">
+                                  <p:stCondLst>
+                                    <p:cond delay="0"/>
+                                  </p:stCondLst>
+                                  <p:childTnLst>
+                                    <p:set>
+                                      <p:cBhvr>
+                                        <p:cTn id="14" dur="1" fill="hold">
+                                          <p:stCondLst>
+                                            <p:cond delay="0"/>
+                                          </p:stCondLst>
+                                        </p:cTn>
+                                        <p:tgtEl>
+                                          <p:spTgt spid="1027"/>
+                                        </p:tgtEl>
+                                        <p:attrNameLst>
+                                          <p:attrName>style.visibility</p:attrName>
+                                        </p:attrNameLst>
+                                      </p:cBhvr>
+                                      <p:to>
+                                        <p:strVal val="visible"/>
+                                      </p:to>
+                                    </p:set>
+                                  </p:childTnLst>
+                                </p:cTn>
+                              </p:par>
+                            </p:childTnLst>
+                          </p:cTn>
+                        </p:par>
+                      </p:childTnLst>
+                    </p:cTn>
+                  </p:par>
+                  <p:par>
+                    <p:cTn id="15" fill="hold">
+                      <p:stCondLst>
+                        <p:cond delay="indefinite"/>
+                      </p:stCondLst>
+                      <p:childTnLst>
+                        <p:par>
+                          <p:cTn id="16" fill="hold">
+                            <p:stCondLst>
+                              <p:cond delay="0"/>
+                            </p:stCondLst>
+                            <p:childTnLst>
+                              <p:par>
+                                <p:cTn id="17" presetID="1" presetClass="entr" presetSubtype="0" fill="hold" grpId="0" nodeType="clickEffect">
+                                  <p:stCondLst>
+                                    <p:cond delay="0"/>
+                                  </p:stCondLst>
+                                  <p:childTnLst>
+                                    <p:set>
+                                      <p:cBhvr>
+                                        <p:cTn id="18" dur="1" fill="hold">
+                                          <p:stCondLst>
+                                            <p:cond delay="0"/>
+                                          </p:stCondLst>
+                                        </p:cTn>
+                                        <p:tgtEl>
+                                          <p:spTgt spid="3">
+                                            <p:txEl>
+                                              <p:pRg st="2" end="2"/>
+                                            </p:txEl>
+                                          </p:spTgt>
+                                        </p:tgtEl>
+                                        <p:attrNameLst>
+                                          <p:attrName>style.visibility</p:attrName>
+                                        </p:attrNameLst>
+                                      </p:cBhvr>
+                                      <p:to>
+                                        <p:strVal val="visible"/>
+                                      </p:to>
+                                    </p:set>
+                                  </p:childTnLst>
+                                </p:cTn>
+                              </p:par>
+                            </p:childTnLst>
+                          </p:cTn>
+                        </p:par>
+                      </p:childTnLst>
+                    </p:cTn>
+                  </p:par>
+                </p:childTnLst>
+              </p:cTn>
+              <p:prevCondLst>
+                <p:cond evt="onPrev" delay="0">
+                  <p:tgtEl>
+                    <p:sldTgt/>
+                  </p:tgtEl>
+                </p:cond>
+              </p:prevCondLst>
+              <p:nextCondLst>
+                <p:cond evt="onNext" delay="0">
+                  <p:tgtEl>
+                    <p:sldTgt/>
+                  </p:tgtEl>
+                </p:cond>
+              </p:nextCondLst>
+            </p:seq>
+          </p:childTnLst>
+        </p:cTn>
+      </p:par>
+    </p:tnLst>
+    <p:bldLst>
+      <p:bldP spid="3" grpId="0" uiExpand="1" build="p"/>
+    </p:bldLst>
+  </p:timing>
 </p:sld>
 </file>
 
@@ -4813,6 +6374,134 @@
   <p:clrMapOvr>
     <a:masterClrMapping/>
   </p:clrMapOvr>
+  <p:timing>
+    <p:tnLst>
+      <p:par>
+        <p:cTn id="1" dur="indefinite" restart="never" nodeType="tmRoot">
+          <p:childTnLst>
+            <p:seq concurrent="1" nextAc="seek">
+              <p:cTn id="2" dur="indefinite" nodeType="mainSeq">
+                <p:childTnLst>
+                  <p:par>
+                    <p:cTn id="3" fill="hold">
+                      <p:stCondLst>
+                        <p:cond delay="indefinite"/>
+                      </p:stCondLst>
+                      <p:childTnLst>
+                        <p:par>
+                          <p:cTn id="4" fill="hold">
+                            <p:stCondLst>
+                              <p:cond delay="0"/>
+                            </p:stCondLst>
+                            <p:childTnLst>
+                              <p:par>
+                                <p:cTn id="5" presetID="1" presetClass="entr" presetSubtype="0" fill="hold" nodeType="clickEffect">
+                                  <p:stCondLst>
+                                    <p:cond delay="0"/>
+                                  </p:stCondLst>
+                                  <p:childTnLst>
+                                    <p:set>
+                                      <p:cBhvr>
+                                        <p:cTn id="6" dur="1" fill="hold">
+                                          <p:stCondLst>
+                                            <p:cond delay="0"/>
+                                          </p:stCondLst>
+                                        </p:cTn>
+                                        <p:tgtEl>
+                                          <p:spTgt spid="3">
+                                            <p:txEl>
+                                              <p:pRg st="0" end="0"/>
+                                            </p:txEl>
+                                          </p:spTgt>
+                                        </p:tgtEl>
+                                        <p:attrNameLst>
+                                          <p:attrName>style.visibility</p:attrName>
+                                        </p:attrNameLst>
+                                      </p:cBhvr>
+                                      <p:to>
+                                        <p:strVal val="visible"/>
+                                      </p:to>
+                                    </p:set>
+                                  </p:childTnLst>
+                                </p:cTn>
+                              </p:par>
+                            </p:childTnLst>
+                          </p:cTn>
+                        </p:par>
+                      </p:childTnLst>
+                    </p:cTn>
+                  </p:par>
+                  <p:par>
+                    <p:cTn id="7" fill="hold">
+                      <p:stCondLst>
+                        <p:cond delay="indefinite"/>
+                      </p:stCondLst>
+                      <p:childTnLst>
+                        <p:par>
+                          <p:cTn id="8" fill="hold">
+                            <p:stCondLst>
+                              <p:cond delay="0"/>
+                            </p:stCondLst>
+                            <p:childTnLst>
+                              <p:par>
+                                <p:cTn id="9" presetID="1" presetClass="entr" presetSubtype="0" fill="hold" nodeType="clickEffect">
+                                  <p:stCondLst>
+                                    <p:cond delay="0"/>
+                                  </p:stCondLst>
+                                  <p:childTnLst>
+                                    <p:set>
+                                      <p:cBhvr>
+                                        <p:cTn id="10" dur="1" fill="hold">
+                                          <p:stCondLst>
+                                            <p:cond delay="0"/>
+                                          </p:stCondLst>
+                                        </p:cTn>
+                                        <p:tgtEl>
+                                          <p:spTgt spid="3">
+                                            <p:txEl>
+                                              <p:pRg st="1" end="1"/>
+                                            </p:txEl>
+                                          </p:spTgt>
+                                        </p:tgtEl>
+                                        <p:attrNameLst>
+                                          <p:attrName>style.visibility</p:attrName>
+                                        </p:attrNameLst>
+                                      </p:cBhvr>
+                                      <p:to>
+                                        <p:strVal val="visible"/>
+                                      </p:to>
+                                    </p:set>
+                                  </p:childTnLst>
+                                </p:cTn>
+                              </p:par>
+                            </p:childTnLst>
+                          </p:cTn>
+                        </p:par>
+                      </p:childTnLst>
+                    </p:cTn>
+                  </p:par>
+                </p:childTnLst>
+              </p:cTn>
+              <p:prevCondLst>
+                <p:cond evt="onPrev" delay="0">
+                  <p:tgtEl>
+                    <p:sldTgt/>
+                  </p:tgtEl>
+                </p:cond>
+              </p:prevCondLst>
+              <p:nextCondLst>
+                <p:cond evt="onNext" delay="0">
+                  <p:tgtEl>
+                    <p:sldTgt/>
+                  </p:tgtEl>
+                </p:cond>
+              </p:nextCondLst>
+            </p:seq>
+          </p:childTnLst>
+        </p:cTn>
+      </p:par>
+    </p:tnLst>
+  </p:timing>
 </p:sld>
 </file>
 
@@ -4872,8 +6561,8 @@
         </p:nvSpPr>
         <p:spPr>
           <a:xfrm>
-            <a:off x="379514" y="1245702"/>
-            <a:ext cx="11525250" cy="5290388"/>
+            <a:off x="170329" y="1245702"/>
+            <a:ext cx="11949953" cy="5290388"/>
           </a:xfrm>
         </p:spPr>
         <p:txBody>
@@ -4977,6 +6666,183 @@
   <p:clrMapOvr>
     <a:masterClrMapping/>
   </p:clrMapOvr>
+  <p:timing>
+    <p:tnLst>
+      <p:par>
+        <p:cTn id="1" dur="indefinite" restart="never" nodeType="tmRoot">
+          <p:childTnLst>
+            <p:seq concurrent="1" nextAc="seek">
+              <p:cTn id="2" dur="indefinite" nodeType="mainSeq">
+                <p:childTnLst>
+                  <p:par>
+                    <p:cTn id="3" fill="hold">
+                      <p:stCondLst>
+                        <p:cond delay="indefinite"/>
+                      </p:stCondLst>
+                      <p:childTnLst>
+                        <p:par>
+                          <p:cTn id="4" fill="hold">
+                            <p:stCondLst>
+                              <p:cond delay="0"/>
+                            </p:stCondLst>
+                            <p:childTnLst>
+                              <p:par>
+                                <p:cTn id="5" presetID="1" presetClass="entr" presetSubtype="0" fill="hold" nodeType="clickEffect">
+                                  <p:stCondLst>
+                                    <p:cond delay="0"/>
+                                  </p:stCondLst>
+                                  <p:childTnLst>
+                                    <p:set>
+                                      <p:cBhvr>
+                                        <p:cTn id="6" dur="1" fill="hold">
+                                          <p:stCondLst>
+                                            <p:cond delay="0"/>
+                                          </p:stCondLst>
+                                        </p:cTn>
+                                        <p:tgtEl>
+                                          <p:spTgt spid="5">
+                                            <p:txEl>
+                                              <p:pRg st="0" end="0"/>
+                                            </p:txEl>
+                                          </p:spTgt>
+                                        </p:tgtEl>
+                                        <p:attrNameLst>
+                                          <p:attrName>style.visibility</p:attrName>
+                                        </p:attrNameLst>
+                                      </p:cBhvr>
+                                      <p:to>
+                                        <p:strVal val="visible"/>
+                                      </p:to>
+                                    </p:set>
+                                  </p:childTnLst>
+                                </p:cTn>
+                              </p:par>
+                            </p:childTnLst>
+                          </p:cTn>
+                        </p:par>
+                      </p:childTnLst>
+                    </p:cTn>
+                  </p:par>
+                  <p:par>
+                    <p:cTn id="7" fill="hold">
+                      <p:stCondLst>
+                        <p:cond delay="indefinite"/>
+                      </p:stCondLst>
+                      <p:childTnLst>
+                        <p:par>
+                          <p:cTn id="8" fill="hold">
+                            <p:stCondLst>
+                              <p:cond delay="0"/>
+                            </p:stCondLst>
+                            <p:childTnLst>
+                              <p:par>
+                                <p:cTn id="9" presetID="1" presetClass="entr" presetSubtype="0" fill="hold" nodeType="clickEffect">
+                                  <p:stCondLst>
+                                    <p:cond delay="0"/>
+                                  </p:stCondLst>
+                                  <p:childTnLst>
+                                    <p:set>
+                                      <p:cBhvr>
+                                        <p:cTn id="10" dur="1" fill="hold">
+                                          <p:stCondLst>
+                                            <p:cond delay="0"/>
+                                          </p:stCondLst>
+                                        </p:cTn>
+                                        <p:tgtEl>
+                                          <p:spTgt spid="5">
+                                            <p:txEl>
+                                              <p:pRg st="1" end="1"/>
+                                            </p:txEl>
+                                          </p:spTgt>
+                                        </p:tgtEl>
+                                        <p:attrNameLst>
+                                          <p:attrName>style.visibility</p:attrName>
+                                        </p:attrNameLst>
+                                      </p:cBhvr>
+                                      <p:to>
+                                        <p:strVal val="visible"/>
+                                      </p:to>
+                                    </p:set>
+                                  </p:childTnLst>
+                                </p:cTn>
+                              </p:par>
+                            </p:childTnLst>
+                          </p:cTn>
+                        </p:par>
+                      </p:childTnLst>
+                    </p:cTn>
+                  </p:par>
+                  <p:par>
+                    <p:cTn id="11" fill="hold">
+                      <p:stCondLst>
+                        <p:cond delay="indefinite"/>
+                      </p:stCondLst>
+                      <p:childTnLst>
+                        <p:par>
+                          <p:cTn id="12" fill="hold">
+                            <p:stCondLst>
+                              <p:cond delay="0"/>
+                            </p:stCondLst>
+                            <p:childTnLst>
+                              <p:par>
+                                <p:cTn id="13" presetID="1" presetClass="entr" presetSubtype="0" fill="hold" nodeType="clickEffect">
+                                  <p:stCondLst>
+                                    <p:cond delay="0"/>
+                                  </p:stCondLst>
+                                  <p:childTnLst>
+                                    <p:set>
+                                      <p:cBhvr>
+                                        <p:cTn id="14" dur="1" fill="hold">
+                                          <p:stCondLst>
+                                            <p:cond delay="0"/>
+                                          </p:stCondLst>
+                                        </p:cTn>
+                                        <p:tgtEl>
+                                          <p:spTgt spid="5">
+                                            <p:txEl>
+                                              <p:pRg st="2" end="2"/>
+                                            </p:txEl>
+                                          </p:spTgt>
+                                        </p:tgtEl>
+                                        <p:attrNameLst>
+                                          <p:attrName>style.visibility</p:attrName>
+                                        </p:attrNameLst>
+                                      </p:cBhvr>
+                                      <p:to>
+                                        <p:strVal val="visible"/>
+                                      </p:to>
+                                    </p:set>
+                                  </p:childTnLst>
+                                </p:cTn>
+                              </p:par>
+                            </p:childTnLst>
+                          </p:cTn>
+                        </p:par>
+                      </p:childTnLst>
+                    </p:cTn>
+                  </p:par>
+                </p:childTnLst>
+              </p:cTn>
+              <p:prevCondLst>
+                <p:cond evt="onPrev" delay="0">
+                  <p:tgtEl>
+                    <p:sldTgt/>
+                  </p:tgtEl>
+                </p:cond>
+              </p:prevCondLst>
+              <p:nextCondLst>
+                <p:cond evt="onNext" delay="0">
+                  <p:tgtEl>
+                    <p:sldTgt/>
+                  </p:tgtEl>
+                </p:cond>
+              </p:nextCondLst>
+            </p:seq>
+          </p:childTnLst>
+        </p:cTn>
+      </p:par>
+    </p:tnLst>
+  </p:timing>
 </p:sld>
 </file>
 
@@ -5229,7 +7095,77 @@
                 <a:latin typeface="Courier New" panose="02070309020205020404" pitchFamily="49" charset="0"/>
                 <a:cs typeface="Courier New" panose="02070309020205020404" pitchFamily="49" charset="0"/>
               </a:rPr>
-              <a:t>'/home/maxshaptala/website'</a:t>
+              <a:t>'/</a:t>
+            </a:r>
+            <a:r>
+              <a:rPr kumimoji="0" lang="ru-RU" altLang="ru-RU" sz="2400" b="1" i="0" u="none" strike="noStrike" cap="none" normalizeH="0" baseline="0" dirty="0" err="1" smtClean="0">
+                <a:ln>
+                  <a:noFill/>
+                </a:ln>
+                <a:solidFill>
+                  <a:srgbClr val="008080"/>
+                </a:solidFill>
+                <a:effectLst/>
+                <a:latin typeface="Courier New" panose="02070309020205020404" pitchFamily="49" charset="0"/>
+                <a:cs typeface="Courier New" panose="02070309020205020404" pitchFamily="49" charset="0"/>
+              </a:rPr>
+              <a:t>home</a:t>
+            </a:r>
+            <a:r>
+              <a:rPr kumimoji="0" lang="ru-RU" altLang="ru-RU" sz="2400" b="1" i="0" u="none" strike="noStrike" cap="none" normalizeH="0" baseline="0" dirty="0" smtClean="0">
+                <a:ln>
+                  <a:noFill/>
+                </a:ln>
+                <a:solidFill>
+                  <a:srgbClr val="008080"/>
+                </a:solidFill>
+                <a:effectLst/>
+                <a:latin typeface="Courier New" panose="02070309020205020404" pitchFamily="49" charset="0"/>
+                <a:cs typeface="Courier New" panose="02070309020205020404" pitchFamily="49" charset="0"/>
+              </a:rPr>
+              <a:t>/</a:t>
+            </a:r>
+            <a:r>
+              <a:rPr kumimoji="0" lang="en-US" altLang="ru-RU" sz="2400" b="1" i="0" u="none" strike="noStrike" cap="none" normalizeH="0" baseline="0" dirty="0" smtClean="0">
+                <a:ln>
+                  <a:noFill/>
+                </a:ln>
+                <a:solidFill>
+                  <a:srgbClr val="008080"/>
+                </a:solidFill>
+                <a:effectLst/>
+                <a:latin typeface="Courier New" panose="02070309020205020404" pitchFamily="49" charset="0"/>
+                <a:cs typeface="Courier New" panose="02070309020205020404" pitchFamily="49" charset="0"/>
+              </a:rPr>
+              <a:t>&lt;your-username&gt;</a:t>
+            </a:r>
+            <a:r>
+              <a:rPr kumimoji="0" lang="ru-RU" altLang="ru-RU" sz="2400" b="1" i="0" u="none" strike="noStrike" cap="none" normalizeH="0" baseline="0" dirty="0" smtClean="0">
+                <a:ln>
+                  <a:noFill/>
+                </a:ln>
+                <a:solidFill>
+                  <a:srgbClr val="008080"/>
+                </a:solidFill>
+                <a:effectLst/>
+                <a:latin typeface="Courier New" panose="02070309020205020404" pitchFamily="49" charset="0"/>
+                <a:cs typeface="Courier New" panose="02070309020205020404" pitchFamily="49" charset="0"/>
+              </a:rPr>
+              <a:t>/</a:t>
+            </a:r>
+            <a:r>
+              <a:rPr kumimoji="0" lang="ru-RU" altLang="ru-RU" sz="2400" b="1" i="0" u="none" strike="noStrike" cap="none" normalizeH="0" baseline="0" dirty="0" smtClean="0">
+                <a:ln>
+                  <a:noFill/>
+                </a:ln>
+                <a:solidFill>
+                  <a:srgbClr val="008080"/>
+                </a:solidFill>
+                <a:effectLst/>
+                <a:latin typeface="Courier New" panose="02070309020205020404" pitchFamily="49" charset="0"/>
+                <a:cs typeface="Courier New" panose="02070309020205020404" pitchFamily="49" charset="0"/>
+              </a:rPr>
+              <a:t>website'</a:t>
             </a:r>
             <a:r>
               <a:rPr kumimoji="0" lang="ru-RU" altLang="ru-RU" sz="2400" b="0" i="1" u="none" strike="noStrike" cap="none" normalizeH="0" baseline="0" dirty="0" smtClean="0">
@@ -5664,7 +7600,7 @@
           <a:lstStyle/>
           <a:p>
             <a:r>
-              <a:rPr lang="ru-RU" sz="2800" smtClean="0"/>
+              <a:rPr lang="ru-RU" sz="2800" dirty="0" smtClean="0"/>
               <a:t>Далее нужно удалить </a:t>
             </a:r>
             <a:r>
@@ -5689,6 +7625,133 @@
   <p:clrMapOvr>
     <a:masterClrMapping/>
   </p:clrMapOvr>
+  <p:timing>
+    <p:tnLst>
+      <p:par>
+        <p:cTn id="1" dur="indefinite" restart="never" nodeType="tmRoot">
+          <p:childTnLst>
+            <p:seq concurrent="1" nextAc="seek">
+              <p:cTn id="2" dur="indefinite" nodeType="mainSeq">
+                <p:childTnLst>
+                  <p:par>
+                    <p:cTn id="3" fill="hold">
+                      <p:stCondLst>
+                        <p:cond delay="indefinite"/>
+                      </p:stCondLst>
+                      <p:childTnLst>
+                        <p:par>
+                          <p:cTn id="4" fill="hold">
+                            <p:stCondLst>
+                              <p:cond delay="0"/>
+                            </p:stCondLst>
+                            <p:childTnLst>
+                              <p:par>
+                                <p:cTn id="5" presetID="1" presetClass="entr" presetSubtype="0" fill="hold" grpId="0" nodeType="clickEffect">
+                                  <p:stCondLst>
+                                    <p:cond delay="0"/>
+                                  </p:stCondLst>
+                                  <p:childTnLst>
+                                    <p:set>
+                                      <p:cBhvr>
+                                        <p:cTn id="6" dur="1" fill="hold">
+                                          <p:stCondLst>
+                                            <p:cond delay="0"/>
+                                          </p:stCondLst>
+                                        </p:cTn>
+                                        <p:tgtEl>
+                                          <p:spTgt spid="3"/>
+                                        </p:tgtEl>
+                                        <p:attrNameLst>
+                                          <p:attrName>style.visibility</p:attrName>
+                                        </p:attrNameLst>
+                                      </p:cBhvr>
+                                      <p:to>
+                                        <p:strVal val="visible"/>
+                                      </p:to>
+                                    </p:set>
+                                  </p:childTnLst>
+                                </p:cTn>
+                              </p:par>
+                            </p:childTnLst>
+                          </p:cTn>
+                        </p:par>
+                      </p:childTnLst>
+                    </p:cTn>
+                  </p:par>
+                  <p:par>
+                    <p:cTn id="7" fill="hold">
+                      <p:stCondLst>
+                        <p:cond delay="indefinite"/>
+                      </p:stCondLst>
+                      <p:childTnLst>
+                        <p:par>
+                          <p:cTn id="8" fill="hold">
+                            <p:stCondLst>
+                              <p:cond delay="0"/>
+                            </p:stCondLst>
+                            <p:childTnLst>
+                              <p:par>
+                                <p:cTn id="9" presetID="1" presetClass="entr" presetSubtype="0" fill="hold" grpId="0" nodeType="clickEffect">
+                                  <p:stCondLst>
+                                    <p:cond delay="0"/>
+                                  </p:stCondLst>
+                                  <p:iterate type="wd">
+                                    <p:tmAbs val="500"/>
+                                  </p:iterate>
+                                  <p:childTnLst>
+                                    <p:set>
+                                      <p:cBhvr>
+                                        <p:cTn id="10" dur="1" fill="hold">
+                                          <p:stCondLst>
+                                            <p:cond delay="0"/>
+                                          </p:stCondLst>
+                                        </p:cTn>
+                                        <p:tgtEl>
+                                          <p:spTgt spid="4"/>
+                                        </p:tgtEl>
+                                        <p:attrNameLst>
+                                          <p:attrName>style.visibility</p:attrName>
+                                        </p:attrNameLst>
+                                      </p:cBhvr>
+                                      <p:to>
+                                        <p:strVal val="visible"/>
+                                      </p:to>
+                                    </p:set>
+                                  </p:childTnLst>
+                                </p:cTn>
+                              </p:par>
+                            </p:childTnLst>
+                          </p:cTn>
+                        </p:par>
+                      </p:childTnLst>
+                    </p:cTn>
+                  </p:par>
+                </p:childTnLst>
+              </p:cTn>
+              <p:prevCondLst>
+                <p:cond evt="onPrev" delay="0">
+                  <p:tgtEl>
+                    <p:sldTgt/>
+                  </p:tgtEl>
+                </p:cond>
+              </p:prevCondLst>
+              <p:nextCondLst>
+                <p:cond evt="onNext" delay="0">
+                  <p:tgtEl>
+                    <p:sldTgt/>
+                  </p:tgtEl>
+                </p:cond>
+              </p:nextCondLst>
+            </p:seq>
+          </p:childTnLst>
+        </p:cTn>
+      </p:par>
+    </p:tnLst>
+    <p:bldLst>
+      <p:bldP spid="4" grpId="0" animBg="1"/>
+      <p:bldP spid="3" grpId="0"/>
+    </p:bldLst>
+  </p:timing>
 </p:sld>
 </file>
 
@@ -6232,7 +8295,7 @@
   <a:extraClrSchemeLst/>
   <a:extLst>
     <a:ext uri="{05A4C25C-085E-4340-85A3-A5531E510DB2}">
-      <thm15:themeFamily xmlns:thm15="http://schemas.microsoft.com/office/thememl/2012/main" name="Office Theme" id="{62F939B6-93AF-4DB8-9C6B-D6C7DFDC589F}" vid="{4A3C46E8-61CC-4603-A589-7422A47A8E4A}"/>
+      <thm15:themeFamily xmlns:thm15="http://schemas.microsoft.com/office/thememl/2012/main" xmlns="" name="Office Theme" id="{62F939B6-93AF-4DB8-9C6B-D6C7DFDC589F}" vid="{4A3C46E8-61CC-4603-A589-7422A47A8E4A}"/>
     </a:ext>
   </a:extLst>
 </a:theme>
@@ -6493,13 +8556,35 @@
   <a:extraClrSchemeLst/>
   <a:extLst>
     <a:ext uri="{05A4C25C-085E-4340-85A3-A5531E510DB2}">
-      <thm15:themeFamily xmlns:thm15="http://schemas.microsoft.com/office/thememl/2012/main" name="Office Theme" id="{62F939B6-93AF-4DB8-9C6B-D6C7DFDC589F}" vid="{4A3C46E8-61CC-4603-A589-7422A47A8E4A}"/>
+      <thm15:themeFamily xmlns:thm15="http://schemas.microsoft.com/office/thememl/2012/main" xmlns="" name="Office Theme" id="{62F939B6-93AF-4DB8-9C6B-D6C7DFDC589F}" vid="{4A3C46E8-61CC-4603-A589-7422A47A8E4A}"/>
     </a:ext>
   </a:extLst>
 </a:theme>
 </file>
 
 <file path=customXml/item1.xml><?xml version="1.0" encoding="utf-8"?>
+<?mso-contentType ?>
+<FormTemplates xmlns="http://schemas.microsoft.com/sharepoint/v3/contenttype/forms">
+  <Display>DocumentLibraryForm</Display>
+  <Edit>DocumentLibraryForm</Edit>
+  <New>DocumentLibraryForm</New>
+</FormTemplates>
+</file>
+
+<file path=customXml/item2.xml><?xml version="1.0" encoding="utf-8"?>
+<p:properties xmlns:p="http://schemas.microsoft.com/office/2006/metadata/properties" xmlns:xsi="http://www.w3.org/2001/XMLSchema-instance" xmlns:pc="http://schemas.microsoft.com/office/infopath/2007/PartnerControls">
+  <documentManagement>
+    <TaxCatchAll xmlns="230e9df3-be65-4c73-a93b-d1236ebd677e"/>
+    <PublishingExpirationDate xmlns="http://schemas.microsoft.com/sharepoint/v3" xsi:nil="true"/>
+    <PublishingStartDate xmlns="http://schemas.microsoft.com/sharepoint/v3" xsi:nil="true"/>
+    <TaxKeywordTaxHTField xmlns="230e9df3-be65-4c73-a93b-d1236ebd677e">
+      <Terms xmlns="http://schemas.microsoft.com/office/infopath/2007/PartnerControls"/>
+    </TaxKeywordTaxHTField>
+  </documentManagement>
+</p:properties>
+</file>
+
+<file path=customXml/item3.xml><?xml version="1.0" encoding="utf-8"?>
 <ct:contentTypeSchema xmlns:ct="http://schemas.microsoft.com/office/2006/metadata/contentType" xmlns:ma="http://schemas.microsoft.com/office/2006/metadata/properties/metaAttributes" ct:_="" ma:_="" ma:contentTypeName="Document" ma:contentTypeID="0x010100496889825850D44592AC5D2F43187AE4" ma:contentTypeVersion="5" ma:contentTypeDescription="Create a new document." ma:contentTypeScope="" ma:versionID="fde90edb5a63ba841bca516fd2abaf95">
   <xsd:schema xmlns:xsd="http://www.w3.org/2001/XMLSchema" xmlns:xs="http://www.w3.org/2001/XMLSchema" xmlns:p="http://schemas.microsoft.com/office/2006/metadata/properties" xmlns:ns1="http://schemas.microsoft.com/sharepoint/v3" xmlns:ns2="230e9df3-be65-4c73-a93b-d1236ebd677e" xmlns:ns3="27aa9422-7f1f-4c84-9cdf-302b1a67e513" targetNamespace="http://schemas.microsoft.com/office/2006/metadata/properties" ma:root="true" ma:fieldsID="5e7808ae941cc340dbe51a3031959734" ns1:_="" ns2:_="" ns3:_="">
     <xsd:import namespace="http://schemas.microsoft.com/sharepoint/v3"/>
@@ -6681,44 +8766,10 @@
 </ct:contentTypeSchema>
 </file>
 
-<file path=customXml/item2.xml><?xml version="1.0" encoding="utf-8"?>
-<p:properties xmlns:p="http://schemas.microsoft.com/office/2006/metadata/properties" xmlns:xsi="http://www.w3.org/2001/XMLSchema-instance" xmlns:pc="http://schemas.microsoft.com/office/infopath/2007/PartnerControls">
-  <documentManagement>
-    <TaxCatchAll xmlns="230e9df3-be65-4c73-a93b-d1236ebd677e"/>
-    <PublishingExpirationDate xmlns="http://schemas.microsoft.com/sharepoint/v3" xsi:nil="true"/>
-    <PublishingStartDate xmlns="http://schemas.microsoft.com/sharepoint/v3" xsi:nil="true"/>
-    <TaxKeywordTaxHTField xmlns="230e9df3-be65-4c73-a93b-d1236ebd677e">
-      <Terms xmlns="http://schemas.microsoft.com/office/infopath/2007/PartnerControls"/>
-    </TaxKeywordTaxHTField>
-  </documentManagement>
-</p:properties>
-</file>
-
-<file path=customXml/item3.xml><?xml version="1.0" encoding="utf-8"?>
-<?mso-contentType ?>
-<FormTemplates xmlns="http://schemas.microsoft.com/sharepoint/v3/contenttype/forms">
-  <Display>DocumentLibraryForm</Display>
-  <Edit>DocumentLibraryForm</Edit>
-  <New>DocumentLibraryForm</New>
-</FormTemplates>
-</file>
-
 <file path=customXml/itemProps1.xml><?xml version="1.0" encoding="utf-8"?>
-<ds:datastoreItem xmlns:ds="http://schemas.openxmlformats.org/officeDocument/2006/customXml" ds:itemID="{3253B29C-1CCD-4FE8-A1C4-023A0910DF96}">
+<ds:datastoreItem xmlns:ds="http://schemas.openxmlformats.org/officeDocument/2006/customXml" ds:itemID="{B0CA13EC-1D3C-4D6F-8D1C-E8A452CFC79A}">
   <ds:schemaRefs>
-    <ds:schemaRef ds:uri="http://schemas.microsoft.com/office/2006/metadata/contentType"/>
-    <ds:schemaRef ds:uri="http://schemas.microsoft.com/office/2006/metadata/properties/metaAttributes"/>
-    <ds:schemaRef ds:uri="http://www.w3.org/2001/XMLSchema"/>
-    <ds:schemaRef ds:uri="http://schemas.microsoft.com/office/2006/metadata/properties"/>
-    <ds:schemaRef ds:uri="http://schemas.microsoft.com/sharepoint/v3"/>
-    <ds:schemaRef ds:uri="230e9df3-be65-4c73-a93b-d1236ebd677e"/>
-    <ds:schemaRef ds:uri="27aa9422-7f1f-4c84-9cdf-302b1a67e513"/>
-    <ds:schemaRef ds:uri="http://schemas.microsoft.com/office/2006/documentManagement/types"/>
-    <ds:schemaRef ds:uri="http://schemas.microsoft.com/office/infopath/2007/PartnerControls"/>
-    <ds:schemaRef ds:uri="http://schemas.openxmlformats.org/package/2006/metadata/core-properties"/>
-    <ds:schemaRef ds:uri="http://purl.org/dc/elements/1.1/"/>
-    <ds:schemaRef ds:uri="http://purl.org/dc/terms/"/>
-    <ds:schemaRef ds:uri="http://schemas.microsoft.com/internal/obd"/>
+    <ds:schemaRef ds:uri="http://schemas.microsoft.com/sharepoint/v3/contenttype/forms"/>
   </ds:schemaRefs>
 </ds:datastoreItem>
 </file>
@@ -6742,9 +8793,21 @@
 </file>
 
 <file path=customXml/itemProps3.xml><?xml version="1.0" encoding="utf-8"?>
-<ds:datastoreItem xmlns:ds="http://schemas.openxmlformats.org/officeDocument/2006/customXml" ds:itemID="{B0CA13EC-1D3C-4D6F-8D1C-E8A452CFC79A}">
+<ds:datastoreItem xmlns:ds="http://schemas.openxmlformats.org/officeDocument/2006/customXml" ds:itemID="{3253B29C-1CCD-4FE8-A1C4-023A0910DF96}">
   <ds:schemaRefs>
-    <ds:schemaRef ds:uri="http://schemas.microsoft.com/sharepoint/v3/contenttype/forms"/>
+    <ds:schemaRef ds:uri="http://schemas.microsoft.com/office/2006/metadata/contentType"/>
+    <ds:schemaRef ds:uri="http://schemas.microsoft.com/office/2006/metadata/properties/metaAttributes"/>
+    <ds:schemaRef ds:uri="http://www.w3.org/2001/XMLSchema"/>
+    <ds:schemaRef ds:uri="http://schemas.microsoft.com/office/2006/metadata/properties"/>
+    <ds:schemaRef ds:uri="http://schemas.microsoft.com/sharepoint/v3"/>
+    <ds:schemaRef ds:uri="230e9df3-be65-4c73-a93b-d1236ebd677e"/>
+    <ds:schemaRef ds:uri="27aa9422-7f1f-4c84-9cdf-302b1a67e513"/>
+    <ds:schemaRef ds:uri="http://schemas.microsoft.com/office/2006/documentManagement/types"/>
+    <ds:schemaRef ds:uri="http://schemas.microsoft.com/office/infopath/2007/PartnerControls"/>
+    <ds:schemaRef ds:uri="http://schemas.openxmlformats.org/package/2006/metadata/core-properties"/>
+    <ds:schemaRef ds:uri="http://purl.org/dc/elements/1.1/"/>
+    <ds:schemaRef ds:uri="http://purl.org/dc/terms/"/>
+    <ds:schemaRef ds:uri="http://schemas.microsoft.com/internal/obd"/>
   </ds:schemaRefs>
 </ds:datastoreItem>
 </file>